--- a/trabalho-pratico/apresentacao_trabalho_pratico_EGOV_2024-1.pptx
+++ b/trabalho-pratico/apresentacao_trabalho_pratico_EGOV_2024-1.pptx
@@ -67,6 +67,17 @@
     <p:sldId id="311" r:id="rId61"/>
     <p:sldId id="312" r:id="rId62"/>
     <p:sldId id="313" r:id="rId63"/>
+    <p:sldId id="314" r:id="rId64"/>
+    <p:sldId id="315" r:id="rId65"/>
+    <p:sldId id="316" r:id="rId66"/>
+    <p:sldId id="317" r:id="rId67"/>
+    <p:sldId id="318" r:id="rId68"/>
+    <p:sldId id="319" r:id="rId69"/>
+    <p:sldId id="320" r:id="rId70"/>
+    <p:sldId id="321" r:id="rId71"/>
+    <p:sldId id="322" r:id="rId72"/>
+    <p:sldId id="323" r:id="rId73"/>
+    <p:sldId id="324" r:id="rId74"/>
   </p:sldIdLst>
   <p:sldSz cy="5670550" cx="10080625"/>
   <p:notesSz cx="7559675" cy="10691800"/>
@@ -301,7 +312,7 @@
   </p:defaultTextStyle>
   <p:extLst>
     <p:ext uri="GoogleSlidesCustomDataVersion2">
-      <go:slidesCustomData xmlns:go="http://customooxmlschemas.google.com/" r:id="rId64" roundtripDataSignature="AMtx7mhS4jrUc/Y4txmZ1rUQRChIcJBbtw=="/>
+      <go:slidesCustomData xmlns:go="http://customooxmlschemas.google.com/" r:id="rId75" roundtripDataSignature="AMtx7mib7h11e6mOr6WGOqVJTVaaJUqD4w=="/>
     </p:ext>
   </p:extLst>
 </p:presentation>
@@ -6840,7 +6851,7 @@
   <p:cSld>
     <p:spTree>
       <p:nvGrpSpPr>
-        <p:cNvPr id="458" name="Shape 458"/>
+        <p:cNvPr id="459" name="Shape 459"/>
         <p:cNvGrpSpPr/>
         <p:nvPr/>
       </p:nvGrpSpPr>
@@ -6854,7 +6865,7 @@
       </p:grpSpPr>
       <p:sp>
         <p:nvSpPr>
-          <p:cNvPr id="459" name="Google Shape;459;g2ea5f1d08cc_1_38:notes"/>
+          <p:cNvPr id="460" name="Google Shape;460;g2ea6b6f92b1_0_1:notes"/>
           <p:cNvSpPr txBox="1"/>
           <p:nvPr>
             <p:ph idx="1" type="body"/>
@@ -6901,7 +6912,7 @@
       </p:sp>
       <p:sp>
         <p:nvSpPr>
-          <p:cNvPr id="460" name="Google Shape;460;g2ea5f1d08cc_1_38:notes"/>
+          <p:cNvPr id="461" name="Google Shape;461;g2ea6b6f92b1_0_1:notes"/>
           <p:cNvSpPr/>
           <p:nvPr>
             <p:ph idx="2" type="sldImg"/>
@@ -6957,7 +6968,7 @@
   <p:cSld>
     <p:spTree>
       <p:nvGrpSpPr>
-        <p:cNvPr id="464" name="Shape 464"/>
+        <p:cNvPr id="466" name="Shape 466"/>
         <p:cNvGrpSpPr/>
         <p:nvPr/>
       </p:nvGrpSpPr>
@@ -6971,7 +6982,7 @@
       </p:grpSpPr>
       <p:sp>
         <p:nvSpPr>
-          <p:cNvPr id="465" name="Google Shape;465;p41:notes"/>
+          <p:cNvPr id="467" name="Google Shape;467;g2ea6b6f92b1_0_7:notes"/>
           <p:cNvSpPr txBox="1"/>
           <p:nvPr>
             <p:ph idx="1" type="body"/>
@@ -6980,7 +6991,7 @@
         <p:spPr>
           <a:xfrm>
             <a:off x="755950" y="5078600"/>
-            <a:ext cx="6047725" cy="4811300"/>
+            <a:ext cx="6047700" cy="4811400"/>
           </a:xfrm>
           <a:prstGeom prst="rect">
             <a:avLst/>
@@ -7018,7 +7029,7 @@
       </p:sp>
       <p:sp>
         <p:nvSpPr>
-          <p:cNvPr id="466" name="Google Shape;466;p41:notes"/>
+          <p:cNvPr id="468" name="Google Shape;468;g2ea6b6f92b1_0_7:notes"/>
           <p:cNvSpPr/>
           <p:nvPr>
             <p:ph idx="2" type="sldImg"/>
@@ -7027,7 +7038,7 @@
         <p:spPr>
           <a:xfrm>
             <a:off x="1260175" y="801875"/>
-            <a:ext cx="5040025" cy="4009425"/>
+            <a:ext cx="5040000" cy="4009500"/>
           </a:xfrm>
           <a:custGeom>
             <a:rect b="b" l="l" r="r" t="t"/>
@@ -7074,7 +7085,7 @@
   <p:cSld>
     <p:spTree>
       <p:nvGrpSpPr>
-        <p:cNvPr id="470" name="Shape 470"/>
+        <p:cNvPr id="473" name="Shape 473"/>
         <p:cNvGrpSpPr/>
         <p:nvPr/>
       </p:nvGrpSpPr>
@@ -7088,7 +7099,7 @@
       </p:grpSpPr>
       <p:sp>
         <p:nvSpPr>
-          <p:cNvPr id="471" name="Google Shape;471;p42:notes"/>
+          <p:cNvPr id="474" name="Google Shape;474;g2ea6b6f92b1_0_13:notes"/>
           <p:cNvSpPr txBox="1"/>
           <p:nvPr>
             <p:ph idx="1" type="body"/>
@@ -7097,7 +7108,7 @@
         <p:spPr>
           <a:xfrm>
             <a:off x="755950" y="5078600"/>
-            <a:ext cx="6047725" cy="4811300"/>
+            <a:ext cx="6047700" cy="4811400"/>
           </a:xfrm>
           <a:prstGeom prst="rect">
             <a:avLst/>
@@ -7135,7 +7146,7 @@
       </p:sp>
       <p:sp>
         <p:nvSpPr>
-          <p:cNvPr id="472" name="Google Shape;472;p42:notes"/>
+          <p:cNvPr id="475" name="Google Shape;475;g2ea6b6f92b1_0_13:notes"/>
           <p:cNvSpPr/>
           <p:nvPr>
             <p:ph idx="2" type="sldImg"/>
@@ -7144,7 +7155,124 @@
         <p:spPr>
           <a:xfrm>
             <a:off x="1260175" y="801875"/>
-            <a:ext cx="5040025" cy="4009425"/>
+            <a:ext cx="5040000" cy="4009500"/>
+          </a:xfrm>
+          <a:custGeom>
+            <a:rect b="b" l="l" r="r" t="t"/>
+            <a:pathLst>
+              <a:path extrusionOk="0" h="120000" w="120000">
+                <a:moveTo>
+                  <a:pt x="0" y="0"/>
+                </a:moveTo>
+                <a:lnTo>
+                  <a:pt x="120000" y="0"/>
+                </a:lnTo>
+                <a:lnTo>
+                  <a:pt x="120000" y="120000"/>
+                </a:lnTo>
+                <a:lnTo>
+                  <a:pt x="0" y="120000"/>
+                </a:lnTo>
+                <a:close/>
+              </a:path>
+            </a:pathLst>
+          </a:custGeom>
+          <a:noFill/>
+          <a:ln cap="flat" cmpd="sng" w="9525">
+            <a:solidFill>
+              <a:srgbClr val="000000"/>
+            </a:solidFill>
+            <a:prstDash val="solid"/>
+            <a:round/>
+            <a:headEnd len="sm" w="sm" type="none"/>
+            <a:tailEnd len="sm" w="sm" type="none"/>
+          </a:ln>
+        </p:spPr>
+      </p:sp>
+    </p:spTree>
+  </p:cSld>
+  <p:clrMapOvr>
+    <a:masterClrMapping/>
+  </p:clrMapOvr>
+</p:notes>
+</file>
+
+<file path=ppt/notesSlides/notesSlide59.xml><?xml version="1.0" encoding="utf-8"?>
+<p:notes xmlns:a="http://schemas.openxmlformats.org/drawingml/2006/main" xmlns:r="http://schemas.openxmlformats.org/officeDocument/2006/relationships" xmlns:mc="http://schemas.openxmlformats.org/markup-compatibility/2006" xmlns:mv="urn:schemas-microsoft-com:mac:vml" xmlns:p="http://schemas.openxmlformats.org/presentationml/2006/main" xmlns:c="http://schemas.openxmlformats.org/drawingml/2006/chart" xmlns:dgm="http://schemas.openxmlformats.org/drawingml/2006/diagram" xmlns:o="urn:schemas-microsoft-com:office:office" xmlns:v="urn:schemas-microsoft-com:vml" xmlns:pvml="urn:schemas-microsoft-com:office:powerpoint" xmlns:com="http://schemas.openxmlformats.org/drawingml/2006/compatibility" xmlns:p14="http://schemas.microsoft.com/office/powerpoint/2010/main" xmlns:p15="http://schemas.microsoft.com/office/powerpoint/2012/main" xmlns:ahyp="http://schemas.microsoft.com/office/drawing/2018/hyperlinkcolor" showMasterPhAnim="0" showMasterSp="0">
+  <p:cSld>
+    <p:spTree>
+      <p:nvGrpSpPr>
+        <p:cNvPr id="480" name="Shape 480"/>
+        <p:cNvGrpSpPr/>
+        <p:nvPr/>
+      </p:nvGrpSpPr>
+      <p:grpSpPr>
+        <a:xfrm>
+          <a:off x="0" y="0"/>
+          <a:ext cx="0" cy="0"/>
+          <a:chOff x="0" y="0"/>
+          <a:chExt cx="0" cy="0"/>
+        </a:xfrm>
+      </p:grpSpPr>
+      <p:sp>
+        <p:nvSpPr>
+          <p:cNvPr id="481" name="Google Shape;481;g2ea6b6f92b1_0_26:notes"/>
+          <p:cNvSpPr txBox="1"/>
+          <p:nvPr>
+            <p:ph idx="1" type="body"/>
+          </p:nvPr>
+        </p:nvSpPr>
+        <p:spPr>
+          <a:xfrm>
+            <a:off x="755950" y="5078600"/>
+            <a:ext cx="6047700" cy="4811400"/>
+          </a:xfrm>
+          <a:prstGeom prst="rect">
+            <a:avLst/>
+          </a:prstGeom>
+          <a:noFill/>
+          <a:ln>
+            <a:noFill/>
+          </a:ln>
+        </p:spPr>
+        <p:txBody>
+          <a:bodyPr anchorCtr="0" anchor="t" bIns="91425" lIns="91425" spcFirstLastPara="1" rIns="91425" wrap="square" tIns="91425">
+            <a:noAutofit/>
+          </a:bodyPr>
+          <a:lstStyle/>
+          <a:p>
+            <a:pPr indent="0" lvl="0" marL="0" rtl="0" algn="l">
+              <a:lnSpc>
+                <a:spcPct val="100000"/>
+              </a:lnSpc>
+              <a:spcBef>
+                <a:spcPts val="0"/>
+              </a:spcBef>
+              <a:spcAft>
+                <a:spcPts val="0"/>
+              </a:spcAft>
+              <a:buSzPts val="1100"/>
+              <a:buNone/>
+            </a:pPr>
+            <a:r>
+              <a:t/>
+            </a:r>
+            <a:endParaRPr/>
+          </a:p>
+        </p:txBody>
+      </p:sp>
+      <p:sp>
+        <p:nvSpPr>
+          <p:cNvPr id="482" name="Google Shape;482;g2ea6b6f92b1_0_26:notes"/>
+          <p:cNvSpPr/>
+          <p:nvPr>
+            <p:ph idx="2" type="sldImg"/>
+          </p:nvPr>
+        </p:nvSpPr>
+        <p:spPr>
+          <a:xfrm>
+            <a:off x="1260175" y="801875"/>
+            <a:ext cx="5040000" cy="4009500"/>
           </a:xfrm>
           <a:custGeom>
             <a:rect b="b" l="l" r="r" t="t"/>
@@ -7262,6 +7390,1176 @@
           <a:xfrm>
             <a:off x="1260175" y="801875"/>
             <a:ext cx="5040000" cy="4009500"/>
+          </a:xfrm>
+          <a:custGeom>
+            <a:rect b="b" l="l" r="r" t="t"/>
+            <a:pathLst>
+              <a:path extrusionOk="0" h="120000" w="120000">
+                <a:moveTo>
+                  <a:pt x="0" y="0"/>
+                </a:moveTo>
+                <a:lnTo>
+                  <a:pt x="120000" y="0"/>
+                </a:lnTo>
+                <a:lnTo>
+                  <a:pt x="120000" y="120000"/>
+                </a:lnTo>
+                <a:lnTo>
+                  <a:pt x="0" y="120000"/>
+                </a:lnTo>
+                <a:close/>
+              </a:path>
+            </a:pathLst>
+          </a:custGeom>
+          <a:noFill/>
+          <a:ln cap="flat" cmpd="sng" w="9525">
+            <a:solidFill>
+              <a:srgbClr val="000000"/>
+            </a:solidFill>
+            <a:prstDash val="solid"/>
+            <a:round/>
+            <a:headEnd len="sm" w="sm" type="none"/>
+            <a:tailEnd len="sm" w="sm" type="none"/>
+          </a:ln>
+        </p:spPr>
+      </p:sp>
+    </p:spTree>
+  </p:cSld>
+  <p:clrMapOvr>
+    <a:masterClrMapping/>
+  </p:clrMapOvr>
+</p:notes>
+</file>
+
+<file path=ppt/notesSlides/notesSlide60.xml><?xml version="1.0" encoding="utf-8"?>
+<p:notes xmlns:a="http://schemas.openxmlformats.org/drawingml/2006/main" xmlns:r="http://schemas.openxmlformats.org/officeDocument/2006/relationships" xmlns:mc="http://schemas.openxmlformats.org/markup-compatibility/2006" xmlns:mv="urn:schemas-microsoft-com:mac:vml" xmlns:p="http://schemas.openxmlformats.org/presentationml/2006/main" xmlns:c="http://schemas.openxmlformats.org/drawingml/2006/chart" xmlns:dgm="http://schemas.openxmlformats.org/drawingml/2006/diagram" xmlns:o="urn:schemas-microsoft-com:office:office" xmlns:v="urn:schemas-microsoft-com:vml" xmlns:pvml="urn:schemas-microsoft-com:office:powerpoint" xmlns:com="http://schemas.openxmlformats.org/drawingml/2006/compatibility" xmlns:p14="http://schemas.microsoft.com/office/powerpoint/2010/main" xmlns:p15="http://schemas.microsoft.com/office/powerpoint/2012/main" xmlns:ahyp="http://schemas.microsoft.com/office/drawing/2018/hyperlinkcolor" showMasterPhAnim="0" showMasterSp="0">
+  <p:cSld>
+    <p:spTree>
+      <p:nvGrpSpPr>
+        <p:cNvPr id="487" name="Shape 487"/>
+        <p:cNvGrpSpPr/>
+        <p:nvPr/>
+      </p:nvGrpSpPr>
+      <p:grpSpPr>
+        <a:xfrm>
+          <a:off x="0" y="0"/>
+          <a:ext cx="0" cy="0"/>
+          <a:chOff x="0" y="0"/>
+          <a:chExt cx="0" cy="0"/>
+        </a:xfrm>
+      </p:grpSpPr>
+      <p:sp>
+        <p:nvSpPr>
+          <p:cNvPr id="488" name="Google Shape;488;g2ea5f1d08cc_1_38:notes"/>
+          <p:cNvSpPr txBox="1"/>
+          <p:nvPr>
+            <p:ph idx="1" type="body"/>
+          </p:nvPr>
+        </p:nvSpPr>
+        <p:spPr>
+          <a:xfrm>
+            <a:off x="755950" y="5078600"/>
+            <a:ext cx="6047700" cy="4811400"/>
+          </a:xfrm>
+          <a:prstGeom prst="rect">
+            <a:avLst/>
+          </a:prstGeom>
+          <a:noFill/>
+          <a:ln>
+            <a:noFill/>
+          </a:ln>
+        </p:spPr>
+        <p:txBody>
+          <a:bodyPr anchorCtr="0" anchor="t" bIns="91425" lIns="91425" spcFirstLastPara="1" rIns="91425" wrap="square" tIns="91425">
+            <a:noAutofit/>
+          </a:bodyPr>
+          <a:lstStyle/>
+          <a:p>
+            <a:pPr indent="0" lvl="0" marL="0" rtl="0" algn="l">
+              <a:lnSpc>
+                <a:spcPct val="100000"/>
+              </a:lnSpc>
+              <a:spcBef>
+                <a:spcPts val="0"/>
+              </a:spcBef>
+              <a:spcAft>
+                <a:spcPts val="0"/>
+              </a:spcAft>
+              <a:buSzPts val="1100"/>
+              <a:buNone/>
+            </a:pPr>
+            <a:r>
+              <a:t/>
+            </a:r>
+            <a:endParaRPr/>
+          </a:p>
+        </p:txBody>
+      </p:sp>
+      <p:sp>
+        <p:nvSpPr>
+          <p:cNvPr id="489" name="Google Shape;489;g2ea5f1d08cc_1_38:notes"/>
+          <p:cNvSpPr/>
+          <p:nvPr>
+            <p:ph idx="2" type="sldImg"/>
+          </p:nvPr>
+        </p:nvSpPr>
+        <p:spPr>
+          <a:xfrm>
+            <a:off x="1260175" y="801875"/>
+            <a:ext cx="5040000" cy="4009500"/>
+          </a:xfrm>
+          <a:custGeom>
+            <a:rect b="b" l="l" r="r" t="t"/>
+            <a:pathLst>
+              <a:path extrusionOk="0" h="120000" w="120000">
+                <a:moveTo>
+                  <a:pt x="0" y="0"/>
+                </a:moveTo>
+                <a:lnTo>
+                  <a:pt x="120000" y="0"/>
+                </a:lnTo>
+                <a:lnTo>
+                  <a:pt x="120000" y="120000"/>
+                </a:lnTo>
+                <a:lnTo>
+                  <a:pt x="0" y="120000"/>
+                </a:lnTo>
+                <a:close/>
+              </a:path>
+            </a:pathLst>
+          </a:custGeom>
+          <a:noFill/>
+          <a:ln cap="flat" cmpd="sng" w="9525">
+            <a:solidFill>
+              <a:srgbClr val="000000"/>
+            </a:solidFill>
+            <a:prstDash val="solid"/>
+            <a:round/>
+            <a:headEnd len="sm" w="sm" type="none"/>
+            <a:tailEnd len="sm" w="sm" type="none"/>
+          </a:ln>
+        </p:spPr>
+      </p:sp>
+    </p:spTree>
+  </p:cSld>
+  <p:clrMapOvr>
+    <a:masterClrMapping/>
+  </p:clrMapOvr>
+</p:notes>
+</file>
+
+<file path=ppt/notesSlides/notesSlide61.xml><?xml version="1.0" encoding="utf-8"?>
+<p:notes xmlns:a="http://schemas.openxmlformats.org/drawingml/2006/main" xmlns:r="http://schemas.openxmlformats.org/officeDocument/2006/relationships" xmlns:mc="http://schemas.openxmlformats.org/markup-compatibility/2006" xmlns:mv="urn:schemas-microsoft-com:mac:vml" xmlns:p="http://schemas.openxmlformats.org/presentationml/2006/main" xmlns:c="http://schemas.openxmlformats.org/drawingml/2006/chart" xmlns:dgm="http://schemas.openxmlformats.org/drawingml/2006/diagram" xmlns:o="urn:schemas-microsoft-com:office:office" xmlns:v="urn:schemas-microsoft-com:vml" xmlns:pvml="urn:schemas-microsoft-com:office:powerpoint" xmlns:com="http://schemas.openxmlformats.org/drawingml/2006/compatibility" xmlns:p14="http://schemas.microsoft.com/office/powerpoint/2010/main" xmlns:p15="http://schemas.microsoft.com/office/powerpoint/2012/main" xmlns:ahyp="http://schemas.microsoft.com/office/drawing/2018/hyperlinkcolor" showMasterPhAnim="0" showMasterSp="0">
+  <p:cSld>
+    <p:spTree>
+      <p:nvGrpSpPr>
+        <p:cNvPr id="494" name="Shape 494"/>
+        <p:cNvGrpSpPr/>
+        <p:nvPr/>
+      </p:nvGrpSpPr>
+      <p:grpSpPr>
+        <a:xfrm>
+          <a:off x="0" y="0"/>
+          <a:ext cx="0" cy="0"/>
+          <a:chOff x="0" y="0"/>
+          <a:chExt cx="0" cy="0"/>
+        </a:xfrm>
+      </p:grpSpPr>
+      <p:sp>
+        <p:nvSpPr>
+          <p:cNvPr id="495" name="Google Shape;495;g2ea6b6f92b1_0_32:notes"/>
+          <p:cNvSpPr txBox="1"/>
+          <p:nvPr>
+            <p:ph idx="1" type="body"/>
+          </p:nvPr>
+        </p:nvSpPr>
+        <p:spPr>
+          <a:xfrm>
+            <a:off x="755950" y="5078600"/>
+            <a:ext cx="6047700" cy="4811400"/>
+          </a:xfrm>
+          <a:prstGeom prst="rect">
+            <a:avLst/>
+          </a:prstGeom>
+          <a:noFill/>
+          <a:ln>
+            <a:noFill/>
+          </a:ln>
+        </p:spPr>
+        <p:txBody>
+          <a:bodyPr anchorCtr="0" anchor="t" bIns="91425" lIns="91425" spcFirstLastPara="1" rIns="91425" wrap="square" tIns="91425">
+            <a:noAutofit/>
+          </a:bodyPr>
+          <a:lstStyle/>
+          <a:p>
+            <a:pPr indent="0" lvl="0" marL="0" rtl="0" algn="l">
+              <a:lnSpc>
+                <a:spcPct val="100000"/>
+              </a:lnSpc>
+              <a:spcBef>
+                <a:spcPts val="0"/>
+              </a:spcBef>
+              <a:spcAft>
+                <a:spcPts val="0"/>
+              </a:spcAft>
+              <a:buSzPts val="1100"/>
+              <a:buNone/>
+            </a:pPr>
+            <a:r>
+              <a:t/>
+            </a:r>
+            <a:endParaRPr/>
+          </a:p>
+        </p:txBody>
+      </p:sp>
+      <p:sp>
+        <p:nvSpPr>
+          <p:cNvPr id="496" name="Google Shape;496;g2ea6b6f92b1_0_32:notes"/>
+          <p:cNvSpPr/>
+          <p:nvPr>
+            <p:ph idx="2" type="sldImg"/>
+          </p:nvPr>
+        </p:nvSpPr>
+        <p:spPr>
+          <a:xfrm>
+            <a:off x="1260175" y="801875"/>
+            <a:ext cx="5040000" cy="4009500"/>
+          </a:xfrm>
+          <a:custGeom>
+            <a:rect b="b" l="l" r="r" t="t"/>
+            <a:pathLst>
+              <a:path extrusionOk="0" h="120000" w="120000">
+                <a:moveTo>
+                  <a:pt x="0" y="0"/>
+                </a:moveTo>
+                <a:lnTo>
+                  <a:pt x="120000" y="0"/>
+                </a:lnTo>
+                <a:lnTo>
+                  <a:pt x="120000" y="120000"/>
+                </a:lnTo>
+                <a:lnTo>
+                  <a:pt x="0" y="120000"/>
+                </a:lnTo>
+                <a:close/>
+              </a:path>
+            </a:pathLst>
+          </a:custGeom>
+          <a:noFill/>
+          <a:ln cap="flat" cmpd="sng" w="9525">
+            <a:solidFill>
+              <a:srgbClr val="000000"/>
+            </a:solidFill>
+            <a:prstDash val="solid"/>
+            <a:round/>
+            <a:headEnd len="sm" w="sm" type="none"/>
+            <a:tailEnd len="sm" w="sm" type="none"/>
+          </a:ln>
+        </p:spPr>
+      </p:sp>
+    </p:spTree>
+  </p:cSld>
+  <p:clrMapOvr>
+    <a:masterClrMapping/>
+  </p:clrMapOvr>
+</p:notes>
+</file>
+
+<file path=ppt/notesSlides/notesSlide62.xml><?xml version="1.0" encoding="utf-8"?>
+<p:notes xmlns:a="http://schemas.openxmlformats.org/drawingml/2006/main" xmlns:r="http://schemas.openxmlformats.org/officeDocument/2006/relationships" xmlns:mc="http://schemas.openxmlformats.org/markup-compatibility/2006" xmlns:mv="urn:schemas-microsoft-com:mac:vml" xmlns:p="http://schemas.openxmlformats.org/presentationml/2006/main" xmlns:c="http://schemas.openxmlformats.org/drawingml/2006/chart" xmlns:dgm="http://schemas.openxmlformats.org/drawingml/2006/diagram" xmlns:o="urn:schemas-microsoft-com:office:office" xmlns:v="urn:schemas-microsoft-com:vml" xmlns:pvml="urn:schemas-microsoft-com:office:powerpoint" xmlns:com="http://schemas.openxmlformats.org/drawingml/2006/compatibility" xmlns:p14="http://schemas.microsoft.com/office/powerpoint/2010/main" xmlns:p15="http://schemas.microsoft.com/office/powerpoint/2012/main" xmlns:ahyp="http://schemas.microsoft.com/office/drawing/2018/hyperlinkcolor" showMasterPhAnim="0" showMasterSp="0">
+  <p:cSld>
+    <p:spTree>
+      <p:nvGrpSpPr>
+        <p:cNvPr id="501" name="Shape 501"/>
+        <p:cNvGrpSpPr/>
+        <p:nvPr/>
+      </p:nvGrpSpPr>
+      <p:grpSpPr>
+        <a:xfrm>
+          <a:off x="0" y="0"/>
+          <a:ext cx="0" cy="0"/>
+          <a:chOff x="0" y="0"/>
+          <a:chExt cx="0" cy="0"/>
+        </a:xfrm>
+      </p:grpSpPr>
+      <p:sp>
+        <p:nvSpPr>
+          <p:cNvPr id="502" name="Google Shape;502;g2ea6b6f92b1_0_38:notes"/>
+          <p:cNvSpPr txBox="1"/>
+          <p:nvPr>
+            <p:ph idx="1" type="body"/>
+          </p:nvPr>
+        </p:nvSpPr>
+        <p:spPr>
+          <a:xfrm>
+            <a:off x="755950" y="5078600"/>
+            <a:ext cx="6047700" cy="4811400"/>
+          </a:xfrm>
+          <a:prstGeom prst="rect">
+            <a:avLst/>
+          </a:prstGeom>
+          <a:noFill/>
+          <a:ln>
+            <a:noFill/>
+          </a:ln>
+        </p:spPr>
+        <p:txBody>
+          <a:bodyPr anchorCtr="0" anchor="t" bIns="91425" lIns="91425" spcFirstLastPara="1" rIns="91425" wrap="square" tIns="91425">
+            <a:noAutofit/>
+          </a:bodyPr>
+          <a:lstStyle/>
+          <a:p>
+            <a:pPr indent="0" lvl="0" marL="0" rtl="0" algn="l">
+              <a:lnSpc>
+                <a:spcPct val="100000"/>
+              </a:lnSpc>
+              <a:spcBef>
+                <a:spcPts val="0"/>
+              </a:spcBef>
+              <a:spcAft>
+                <a:spcPts val="0"/>
+              </a:spcAft>
+              <a:buSzPts val="1100"/>
+              <a:buNone/>
+            </a:pPr>
+            <a:r>
+              <a:t/>
+            </a:r>
+            <a:endParaRPr/>
+          </a:p>
+        </p:txBody>
+      </p:sp>
+      <p:sp>
+        <p:nvSpPr>
+          <p:cNvPr id="503" name="Google Shape;503;g2ea6b6f92b1_0_38:notes"/>
+          <p:cNvSpPr/>
+          <p:nvPr>
+            <p:ph idx="2" type="sldImg"/>
+          </p:nvPr>
+        </p:nvSpPr>
+        <p:spPr>
+          <a:xfrm>
+            <a:off x="1260175" y="801875"/>
+            <a:ext cx="5040000" cy="4009500"/>
+          </a:xfrm>
+          <a:custGeom>
+            <a:rect b="b" l="l" r="r" t="t"/>
+            <a:pathLst>
+              <a:path extrusionOk="0" h="120000" w="120000">
+                <a:moveTo>
+                  <a:pt x="0" y="0"/>
+                </a:moveTo>
+                <a:lnTo>
+                  <a:pt x="120000" y="0"/>
+                </a:lnTo>
+                <a:lnTo>
+                  <a:pt x="120000" y="120000"/>
+                </a:lnTo>
+                <a:lnTo>
+                  <a:pt x="0" y="120000"/>
+                </a:lnTo>
+                <a:close/>
+              </a:path>
+            </a:pathLst>
+          </a:custGeom>
+          <a:noFill/>
+          <a:ln cap="flat" cmpd="sng" w="9525">
+            <a:solidFill>
+              <a:srgbClr val="000000"/>
+            </a:solidFill>
+            <a:prstDash val="solid"/>
+            <a:round/>
+            <a:headEnd len="sm" w="sm" type="none"/>
+            <a:tailEnd len="sm" w="sm" type="none"/>
+          </a:ln>
+        </p:spPr>
+      </p:sp>
+    </p:spTree>
+  </p:cSld>
+  <p:clrMapOvr>
+    <a:masterClrMapping/>
+  </p:clrMapOvr>
+</p:notes>
+</file>
+
+<file path=ppt/notesSlides/notesSlide63.xml><?xml version="1.0" encoding="utf-8"?>
+<p:notes xmlns:a="http://schemas.openxmlformats.org/drawingml/2006/main" xmlns:r="http://schemas.openxmlformats.org/officeDocument/2006/relationships" xmlns:mc="http://schemas.openxmlformats.org/markup-compatibility/2006" xmlns:mv="urn:schemas-microsoft-com:mac:vml" xmlns:p="http://schemas.openxmlformats.org/presentationml/2006/main" xmlns:c="http://schemas.openxmlformats.org/drawingml/2006/chart" xmlns:dgm="http://schemas.openxmlformats.org/drawingml/2006/diagram" xmlns:o="urn:schemas-microsoft-com:office:office" xmlns:v="urn:schemas-microsoft-com:vml" xmlns:pvml="urn:schemas-microsoft-com:office:powerpoint" xmlns:com="http://schemas.openxmlformats.org/drawingml/2006/compatibility" xmlns:p14="http://schemas.microsoft.com/office/powerpoint/2010/main" xmlns:p15="http://schemas.microsoft.com/office/powerpoint/2012/main" xmlns:ahyp="http://schemas.microsoft.com/office/drawing/2018/hyperlinkcolor" showMasterPhAnim="0" showMasterSp="0">
+  <p:cSld>
+    <p:spTree>
+      <p:nvGrpSpPr>
+        <p:cNvPr id="508" name="Shape 508"/>
+        <p:cNvGrpSpPr/>
+        <p:nvPr/>
+      </p:nvGrpSpPr>
+      <p:grpSpPr>
+        <a:xfrm>
+          <a:off x="0" y="0"/>
+          <a:ext cx="0" cy="0"/>
+          <a:chOff x="0" y="0"/>
+          <a:chExt cx="0" cy="0"/>
+        </a:xfrm>
+      </p:grpSpPr>
+      <p:sp>
+        <p:nvSpPr>
+          <p:cNvPr id="509" name="Google Shape;509;g2ea6b6f92b1_0_45:notes"/>
+          <p:cNvSpPr txBox="1"/>
+          <p:nvPr>
+            <p:ph idx="1" type="body"/>
+          </p:nvPr>
+        </p:nvSpPr>
+        <p:spPr>
+          <a:xfrm>
+            <a:off x="755950" y="5078600"/>
+            <a:ext cx="6047700" cy="4811400"/>
+          </a:xfrm>
+          <a:prstGeom prst="rect">
+            <a:avLst/>
+          </a:prstGeom>
+          <a:noFill/>
+          <a:ln>
+            <a:noFill/>
+          </a:ln>
+        </p:spPr>
+        <p:txBody>
+          <a:bodyPr anchorCtr="0" anchor="t" bIns="91425" lIns="91425" spcFirstLastPara="1" rIns="91425" wrap="square" tIns="91425">
+            <a:noAutofit/>
+          </a:bodyPr>
+          <a:lstStyle/>
+          <a:p>
+            <a:pPr indent="0" lvl="0" marL="0" rtl="0" algn="l">
+              <a:lnSpc>
+                <a:spcPct val="100000"/>
+              </a:lnSpc>
+              <a:spcBef>
+                <a:spcPts val="0"/>
+              </a:spcBef>
+              <a:spcAft>
+                <a:spcPts val="0"/>
+              </a:spcAft>
+              <a:buSzPts val="1100"/>
+              <a:buNone/>
+            </a:pPr>
+            <a:r>
+              <a:t/>
+            </a:r>
+            <a:endParaRPr/>
+          </a:p>
+        </p:txBody>
+      </p:sp>
+      <p:sp>
+        <p:nvSpPr>
+          <p:cNvPr id="510" name="Google Shape;510;g2ea6b6f92b1_0_45:notes"/>
+          <p:cNvSpPr/>
+          <p:nvPr>
+            <p:ph idx="2" type="sldImg"/>
+          </p:nvPr>
+        </p:nvSpPr>
+        <p:spPr>
+          <a:xfrm>
+            <a:off x="1260175" y="801875"/>
+            <a:ext cx="5040000" cy="4009500"/>
+          </a:xfrm>
+          <a:custGeom>
+            <a:rect b="b" l="l" r="r" t="t"/>
+            <a:pathLst>
+              <a:path extrusionOk="0" h="120000" w="120000">
+                <a:moveTo>
+                  <a:pt x="0" y="0"/>
+                </a:moveTo>
+                <a:lnTo>
+                  <a:pt x="120000" y="0"/>
+                </a:lnTo>
+                <a:lnTo>
+                  <a:pt x="120000" y="120000"/>
+                </a:lnTo>
+                <a:lnTo>
+                  <a:pt x="0" y="120000"/>
+                </a:lnTo>
+                <a:close/>
+              </a:path>
+            </a:pathLst>
+          </a:custGeom>
+          <a:noFill/>
+          <a:ln cap="flat" cmpd="sng" w="9525">
+            <a:solidFill>
+              <a:srgbClr val="000000"/>
+            </a:solidFill>
+            <a:prstDash val="solid"/>
+            <a:round/>
+            <a:headEnd len="sm" w="sm" type="none"/>
+            <a:tailEnd len="sm" w="sm" type="none"/>
+          </a:ln>
+        </p:spPr>
+      </p:sp>
+    </p:spTree>
+  </p:cSld>
+  <p:clrMapOvr>
+    <a:masterClrMapping/>
+  </p:clrMapOvr>
+</p:notes>
+</file>
+
+<file path=ppt/notesSlides/notesSlide64.xml><?xml version="1.0" encoding="utf-8"?>
+<p:notes xmlns:a="http://schemas.openxmlformats.org/drawingml/2006/main" xmlns:r="http://schemas.openxmlformats.org/officeDocument/2006/relationships" xmlns:mc="http://schemas.openxmlformats.org/markup-compatibility/2006" xmlns:mv="urn:schemas-microsoft-com:mac:vml" xmlns:p="http://schemas.openxmlformats.org/presentationml/2006/main" xmlns:c="http://schemas.openxmlformats.org/drawingml/2006/chart" xmlns:dgm="http://schemas.openxmlformats.org/drawingml/2006/diagram" xmlns:o="urn:schemas-microsoft-com:office:office" xmlns:v="urn:schemas-microsoft-com:vml" xmlns:pvml="urn:schemas-microsoft-com:office:powerpoint" xmlns:com="http://schemas.openxmlformats.org/drawingml/2006/compatibility" xmlns:p14="http://schemas.microsoft.com/office/powerpoint/2010/main" xmlns:p15="http://schemas.microsoft.com/office/powerpoint/2012/main" xmlns:ahyp="http://schemas.microsoft.com/office/drawing/2018/hyperlinkcolor" showMasterPhAnim="0" showMasterSp="0">
+  <p:cSld>
+    <p:spTree>
+      <p:nvGrpSpPr>
+        <p:cNvPr id="515" name="Shape 515"/>
+        <p:cNvGrpSpPr/>
+        <p:nvPr/>
+      </p:nvGrpSpPr>
+      <p:grpSpPr>
+        <a:xfrm>
+          <a:off x="0" y="0"/>
+          <a:ext cx="0" cy="0"/>
+          <a:chOff x="0" y="0"/>
+          <a:chExt cx="0" cy="0"/>
+        </a:xfrm>
+      </p:grpSpPr>
+      <p:sp>
+        <p:nvSpPr>
+          <p:cNvPr id="516" name="Google Shape;516;g2ea6b6f92b1_0_56:notes"/>
+          <p:cNvSpPr txBox="1"/>
+          <p:nvPr>
+            <p:ph idx="1" type="body"/>
+          </p:nvPr>
+        </p:nvSpPr>
+        <p:spPr>
+          <a:xfrm>
+            <a:off x="755950" y="5078600"/>
+            <a:ext cx="6047700" cy="4811400"/>
+          </a:xfrm>
+          <a:prstGeom prst="rect">
+            <a:avLst/>
+          </a:prstGeom>
+          <a:noFill/>
+          <a:ln>
+            <a:noFill/>
+          </a:ln>
+        </p:spPr>
+        <p:txBody>
+          <a:bodyPr anchorCtr="0" anchor="t" bIns="91425" lIns="91425" spcFirstLastPara="1" rIns="91425" wrap="square" tIns="91425">
+            <a:noAutofit/>
+          </a:bodyPr>
+          <a:lstStyle/>
+          <a:p>
+            <a:pPr indent="0" lvl="0" marL="0" rtl="0" algn="l">
+              <a:lnSpc>
+                <a:spcPct val="100000"/>
+              </a:lnSpc>
+              <a:spcBef>
+                <a:spcPts val="0"/>
+              </a:spcBef>
+              <a:spcAft>
+                <a:spcPts val="0"/>
+              </a:spcAft>
+              <a:buSzPts val="1100"/>
+              <a:buNone/>
+            </a:pPr>
+            <a:r>
+              <a:t/>
+            </a:r>
+            <a:endParaRPr/>
+          </a:p>
+        </p:txBody>
+      </p:sp>
+      <p:sp>
+        <p:nvSpPr>
+          <p:cNvPr id="517" name="Google Shape;517;g2ea6b6f92b1_0_56:notes"/>
+          <p:cNvSpPr/>
+          <p:nvPr>
+            <p:ph idx="2" type="sldImg"/>
+          </p:nvPr>
+        </p:nvSpPr>
+        <p:spPr>
+          <a:xfrm>
+            <a:off x="1260175" y="801875"/>
+            <a:ext cx="5040000" cy="4009500"/>
+          </a:xfrm>
+          <a:custGeom>
+            <a:rect b="b" l="l" r="r" t="t"/>
+            <a:pathLst>
+              <a:path extrusionOk="0" h="120000" w="120000">
+                <a:moveTo>
+                  <a:pt x="0" y="0"/>
+                </a:moveTo>
+                <a:lnTo>
+                  <a:pt x="120000" y="0"/>
+                </a:lnTo>
+                <a:lnTo>
+                  <a:pt x="120000" y="120000"/>
+                </a:lnTo>
+                <a:lnTo>
+                  <a:pt x="0" y="120000"/>
+                </a:lnTo>
+                <a:close/>
+              </a:path>
+            </a:pathLst>
+          </a:custGeom>
+          <a:noFill/>
+          <a:ln cap="flat" cmpd="sng" w="9525">
+            <a:solidFill>
+              <a:srgbClr val="000000"/>
+            </a:solidFill>
+            <a:prstDash val="solid"/>
+            <a:round/>
+            <a:headEnd len="sm" w="sm" type="none"/>
+            <a:tailEnd len="sm" w="sm" type="none"/>
+          </a:ln>
+        </p:spPr>
+      </p:sp>
+    </p:spTree>
+  </p:cSld>
+  <p:clrMapOvr>
+    <a:masterClrMapping/>
+  </p:clrMapOvr>
+</p:notes>
+</file>
+
+<file path=ppt/notesSlides/notesSlide65.xml><?xml version="1.0" encoding="utf-8"?>
+<p:notes xmlns:a="http://schemas.openxmlformats.org/drawingml/2006/main" xmlns:r="http://schemas.openxmlformats.org/officeDocument/2006/relationships" xmlns:mc="http://schemas.openxmlformats.org/markup-compatibility/2006" xmlns:mv="urn:schemas-microsoft-com:mac:vml" xmlns:p="http://schemas.openxmlformats.org/presentationml/2006/main" xmlns:c="http://schemas.openxmlformats.org/drawingml/2006/chart" xmlns:dgm="http://schemas.openxmlformats.org/drawingml/2006/diagram" xmlns:o="urn:schemas-microsoft-com:office:office" xmlns:v="urn:schemas-microsoft-com:vml" xmlns:pvml="urn:schemas-microsoft-com:office:powerpoint" xmlns:com="http://schemas.openxmlformats.org/drawingml/2006/compatibility" xmlns:p14="http://schemas.microsoft.com/office/powerpoint/2010/main" xmlns:p15="http://schemas.microsoft.com/office/powerpoint/2012/main" xmlns:ahyp="http://schemas.microsoft.com/office/drawing/2018/hyperlinkcolor" showMasterPhAnim="0" showMasterSp="0">
+  <p:cSld>
+    <p:spTree>
+      <p:nvGrpSpPr>
+        <p:cNvPr id="522" name="Shape 522"/>
+        <p:cNvGrpSpPr/>
+        <p:nvPr/>
+      </p:nvGrpSpPr>
+      <p:grpSpPr>
+        <a:xfrm>
+          <a:off x="0" y="0"/>
+          <a:ext cx="0" cy="0"/>
+          <a:chOff x="0" y="0"/>
+          <a:chExt cx="0" cy="0"/>
+        </a:xfrm>
+      </p:grpSpPr>
+      <p:sp>
+        <p:nvSpPr>
+          <p:cNvPr id="523" name="Google Shape;523;g2ea6b6f92b1_0_61:notes"/>
+          <p:cNvSpPr txBox="1"/>
+          <p:nvPr>
+            <p:ph idx="1" type="body"/>
+          </p:nvPr>
+        </p:nvSpPr>
+        <p:spPr>
+          <a:xfrm>
+            <a:off x="755950" y="5078600"/>
+            <a:ext cx="6047700" cy="4811400"/>
+          </a:xfrm>
+          <a:prstGeom prst="rect">
+            <a:avLst/>
+          </a:prstGeom>
+          <a:noFill/>
+          <a:ln>
+            <a:noFill/>
+          </a:ln>
+        </p:spPr>
+        <p:txBody>
+          <a:bodyPr anchorCtr="0" anchor="t" bIns="91425" lIns="91425" spcFirstLastPara="1" rIns="91425" wrap="square" tIns="91425">
+            <a:noAutofit/>
+          </a:bodyPr>
+          <a:lstStyle/>
+          <a:p>
+            <a:pPr indent="0" lvl="0" marL="0" rtl="0" algn="l">
+              <a:lnSpc>
+                <a:spcPct val="100000"/>
+              </a:lnSpc>
+              <a:spcBef>
+                <a:spcPts val="0"/>
+              </a:spcBef>
+              <a:spcAft>
+                <a:spcPts val="0"/>
+              </a:spcAft>
+              <a:buSzPts val="1100"/>
+              <a:buNone/>
+            </a:pPr>
+            <a:r>
+              <a:t/>
+            </a:r>
+            <a:endParaRPr/>
+          </a:p>
+        </p:txBody>
+      </p:sp>
+      <p:sp>
+        <p:nvSpPr>
+          <p:cNvPr id="524" name="Google Shape;524;g2ea6b6f92b1_0_61:notes"/>
+          <p:cNvSpPr/>
+          <p:nvPr>
+            <p:ph idx="2" type="sldImg"/>
+          </p:nvPr>
+        </p:nvSpPr>
+        <p:spPr>
+          <a:xfrm>
+            <a:off x="1260175" y="801875"/>
+            <a:ext cx="5040000" cy="4009500"/>
+          </a:xfrm>
+          <a:custGeom>
+            <a:rect b="b" l="l" r="r" t="t"/>
+            <a:pathLst>
+              <a:path extrusionOk="0" h="120000" w="120000">
+                <a:moveTo>
+                  <a:pt x="0" y="0"/>
+                </a:moveTo>
+                <a:lnTo>
+                  <a:pt x="120000" y="0"/>
+                </a:lnTo>
+                <a:lnTo>
+                  <a:pt x="120000" y="120000"/>
+                </a:lnTo>
+                <a:lnTo>
+                  <a:pt x="0" y="120000"/>
+                </a:lnTo>
+                <a:close/>
+              </a:path>
+            </a:pathLst>
+          </a:custGeom>
+          <a:noFill/>
+          <a:ln cap="flat" cmpd="sng" w="9525">
+            <a:solidFill>
+              <a:srgbClr val="000000"/>
+            </a:solidFill>
+            <a:prstDash val="solid"/>
+            <a:round/>
+            <a:headEnd len="sm" w="sm" type="none"/>
+            <a:tailEnd len="sm" w="sm" type="none"/>
+          </a:ln>
+        </p:spPr>
+      </p:sp>
+    </p:spTree>
+  </p:cSld>
+  <p:clrMapOvr>
+    <a:masterClrMapping/>
+  </p:clrMapOvr>
+</p:notes>
+</file>
+
+<file path=ppt/notesSlides/notesSlide66.xml><?xml version="1.0" encoding="utf-8"?>
+<p:notes xmlns:a="http://schemas.openxmlformats.org/drawingml/2006/main" xmlns:r="http://schemas.openxmlformats.org/officeDocument/2006/relationships" xmlns:mc="http://schemas.openxmlformats.org/markup-compatibility/2006" xmlns:mv="urn:schemas-microsoft-com:mac:vml" xmlns:p="http://schemas.openxmlformats.org/presentationml/2006/main" xmlns:c="http://schemas.openxmlformats.org/drawingml/2006/chart" xmlns:dgm="http://schemas.openxmlformats.org/drawingml/2006/diagram" xmlns:o="urn:schemas-microsoft-com:office:office" xmlns:v="urn:schemas-microsoft-com:vml" xmlns:pvml="urn:schemas-microsoft-com:office:powerpoint" xmlns:com="http://schemas.openxmlformats.org/drawingml/2006/compatibility" xmlns:p14="http://schemas.microsoft.com/office/powerpoint/2010/main" xmlns:p15="http://schemas.microsoft.com/office/powerpoint/2012/main" xmlns:ahyp="http://schemas.microsoft.com/office/drawing/2018/hyperlinkcolor" showMasterPhAnim="0" showMasterSp="0">
+  <p:cSld>
+    <p:spTree>
+      <p:nvGrpSpPr>
+        <p:cNvPr id="529" name="Shape 529"/>
+        <p:cNvGrpSpPr/>
+        <p:nvPr/>
+      </p:nvGrpSpPr>
+      <p:grpSpPr>
+        <a:xfrm>
+          <a:off x="0" y="0"/>
+          <a:ext cx="0" cy="0"/>
+          <a:chOff x="0" y="0"/>
+          <a:chExt cx="0" cy="0"/>
+        </a:xfrm>
+      </p:grpSpPr>
+      <p:sp>
+        <p:nvSpPr>
+          <p:cNvPr id="530" name="Google Shape;530;g2ea6b6f92b1_0_68:notes"/>
+          <p:cNvSpPr txBox="1"/>
+          <p:nvPr>
+            <p:ph idx="1" type="body"/>
+          </p:nvPr>
+        </p:nvSpPr>
+        <p:spPr>
+          <a:xfrm>
+            <a:off x="755950" y="5078600"/>
+            <a:ext cx="6047700" cy="4811400"/>
+          </a:xfrm>
+          <a:prstGeom prst="rect">
+            <a:avLst/>
+          </a:prstGeom>
+          <a:noFill/>
+          <a:ln>
+            <a:noFill/>
+          </a:ln>
+        </p:spPr>
+        <p:txBody>
+          <a:bodyPr anchorCtr="0" anchor="t" bIns="91425" lIns="91425" spcFirstLastPara="1" rIns="91425" wrap="square" tIns="91425">
+            <a:noAutofit/>
+          </a:bodyPr>
+          <a:lstStyle/>
+          <a:p>
+            <a:pPr indent="0" lvl="0" marL="0" rtl="0" algn="l">
+              <a:lnSpc>
+                <a:spcPct val="100000"/>
+              </a:lnSpc>
+              <a:spcBef>
+                <a:spcPts val="0"/>
+              </a:spcBef>
+              <a:spcAft>
+                <a:spcPts val="0"/>
+              </a:spcAft>
+              <a:buSzPts val="1100"/>
+              <a:buNone/>
+            </a:pPr>
+            <a:r>
+              <a:t/>
+            </a:r>
+            <a:endParaRPr/>
+          </a:p>
+        </p:txBody>
+      </p:sp>
+      <p:sp>
+        <p:nvSpPr>
+          <p:cNvPr id="531" name="Google Shape;531;g2ea6b6f92b1_0_68:notes"/>
+          <p:cNvSpPr/>
+          <p:nvPr>
+            <p:ph idx="2" type="sldImg"/>
+          </p:nvPr>
+        </p:nvSpPr>
+        <p:spPr>
+          <a:xfrm>
+            <a:off x="1260175" y="801875"/>
+            <a:ext cx="5040000" cy="4009500"/>
+          </a:xfrm>
+          <a:custGeom>
+            <a:rect b="b" l="l" r="r" t="t"/>
+            <a:pathLst>
+              <a:path extrusionOk="0" h="120000" w="120000">
+                <a:moveTo>
+                  <a:pt x="0" y="0"/>
+                </a:moveTo>
+                <a:lnTo>
+                  <a:pt x="120000" y="0"/>
+                </a:lnTo>
+                <a:lnTo>
+                  <a:pt x="120000" y="120000"/>
+                </a:lnTo>
+                <a:lnTo>
+                  <a:pt x="0" y="120000"/>
+                </a:lnTo>
+                <a:close/>
+              </a:path>
+            </a:pathLst>
+          </a:custGeom>
+          <a:noFill/>
+          <a:ln cap="flat" cmpd="sng" w="9525">
+            <a:solidFill>
+              <a:srgbClr val="000000"/>
+            </a:solidFill>
+            <a:prstDash val="solid"/>
+            <a:round/>
+            <a:headEnd len="sm" w="sm" type="none"/>
+            <a:tailEnd len="sm" w="sm" type="none"/>
+          </a:ln>
+        </p:spPr>
+      </p:sp>
+    </p:spTree>
+  </p:cSld>
+  <p:clrMapOvr>
+    <a:masterClrMapping/>
+  </p:clrMapOvr>
+</p:notes>
+</file>
+
+<file path=ppt/notesSlides/notesSlide67.xml><?xml version="1.0" encoding="utf-8"?>
+<p:notes xmlns:a="http://schemas.openxmlformats.org/drawingml/2006/main" xmlns:r="http://schemas.openxmlformats.org/officeDocument/2006/relationships" xmlns:mc="http://schemas.openxmlformats.org/markup-compatibility/2006" xmlns:mv="urn:schemas-microsoft-com:mac:vml" xmlns:p="http://schemas.openxmlformats.org/presentationml/2006/main" xmlns:c="http://schemas.openxmlformats.org/drawingml/2006/chart" xmlns:dgm="http://schemas.openxmlformats.org/drawingml/2006/diagram" xmlns:o="urn:schemas-microsoft-com:office:office" xmlns:v="urn:schemas-microsoft-com:vml" xmlns:pvml="urn:schemas-microsoft-com:office:powerpoint" xmlns:com="http://schemas.openxmlformats.org/drawingml/2006/compatibility" xmlns:p14="http://schemas.microsoft.com/office/powerpoint/2010/main" xmlns:p15="http://schemas.microsoft.com/office/powerpoint/2012/main" xmlns:ahyp="http://schemas.microsoft.com/office/drawing/2018/hyperlinkcolor" showMasterPhAnim="0" showMasterSp="0">
+  <p:cSld>
+    <p:spTree>
+      <p:nvGrpSpPr>
+        <p:cNvPr id="536" name="Shape 536"/>
+        <p:cNvGrpSpPr/>
+        <p:nvPr/>
+      </p:nvGrpSpPr>
+      <p:grpSpPr>
+        <a:xfrm>
+          <a:off x="0" y="0"/>
+          <a:ext cx="0" cy="0"/>
+          <a:chOff x="0" y="0"/>
+          <a:chExt cx="0" cy="0"/>
+        </a:xfrm>
+      </p:grpSpPr>
+      <p:sp>
+        <p:nvSpPr>
+          <p:cNvPr id="537" name="Google Shape;537;g2ea6b6f92b1_0_75:notes"/>
+          <p:cNvSpPr txBox="1"/>
+          <p:nvPr>
+            <p:ph idx="1" type="body"/>
+          </p:nvPr>
+        </p:nvSpPr>
+        <p:spPr>
+          <a:xfrm>
+            <a:off x="755950" y="5078600"/>
+            <a:ext cx="6047700" cy="4811400"/>
+          </a:xfrm>
+          <a:prstGeom prst="rect">
+            <a:avLst/>
+          </a:prstGeom>
+          <a:noFill/>
+          <a:ln>
+            <a:noFill/>
+          </a:ln>
+        </p:spPr>
+        <p:txBody>
+          <a:bodyPr anchorCtr="0" anchor="t" bIns="91425" lIns="91425" spcFirstLastPara="1" rIns="91425" wrap="square" tIns="91425">
+            <a:noAutofit/>
+          </a:bodyPr>
+          <a:lstStyle/>
+          <a:p>
+            <a:pPr indent="0" lvl="0" marL="0" rtl="0" algn="l">
+              <a:lnSpc>
+                <a:spcPct val="100000"/>
+              </a:lnSpc>
+              <a:spcBef>
+                <a:spcPts val="0"/>
+              </a:spcBef>
+              <a:spcAft>
+                <a:spcPts val="0"/>
+              </a:spcAft>
+              <a:buSzPts val="1100"/>
+              <a:buNone/>
+            </a:pPr>
+            <a:r>
+              <a:t/>
+            </a:r>
+            <a:endParaRPr/>
+          </a:p>
+        </p:txBody>
+      </p:sp>
+      <p:sp>
+        <p:nvSpPr>
+          <p:cNvPr id="538" name="Google Shape;538;g2ea6b6f92b1_0_75:notes"/>
+          <p:cNvSpPr/>
+          <p:nvPr>
+            <p:ph idx="2" type="sldImg"/>
+          </p:nvPr>
+        </p:nvSpPr>
+        <p:spPr>
+          <a:xfrm>
+            <a:off x="1260175" y="801875"/>
+            <a:ext cx="5040000" cy="4009500"/>
+          </a:xfrm>
+          <a:custGeom>
+            <a:rect b="b" l="l" r="r" t="t"/>
+            <a:pathLst>
+              <a:path extrusionOk="0" h="120000" w="120000">
+                <a:moveTo>
+                  <a:pt x="0" y="0"/>
+                </a:moveTo>
+                <a:lnTo>
+                  <a:pt x="120000" y="0"/>
+                </a:lnTo>
+                <a:lnTo>
+                  <a:pt x="120000" y="120000"/>
+                </a:lnTo>
+                <a:lnTo>
+                  <a:pt x="0" y="120000"/>
+                </a:lnTo>
+                <a:close/>
+              </a:path>
+            </a:pathLst>
+          </a:custGeom>
+          <a:noFill/>
+          <a:ln cap="flat" cmpd="sng" w="9525">
+            <a:solidFill>
+              <a:srgbClr val="000000"/>
+            </a:solidFill>
+            <a:prstDash val="solid"/>
+            <a:round/>
+            <a:headEnd len="sm" w="sm" type="none"/>
+            <a:tailEnd len="sm" w="sm" type="none"/>
+          </a:ln>
+        </p:spPr>
+      </p:sp>
+    </p:spTree>
+  </p:cSld>
+  <p:clrMapOvr>
+    <a:masterClrMapping/>
+  </p:clrMapOvr>
+</p:notes>
+</file>
+
+<file path=ppt/notesSlides/notesSlide68.xml><?xml version="1.0" encoding="utf-8"?>
+<p:notes xmlns:a="http://schemas.openxmlformats.org/drawingml/2006/main" xmlns:r="http://schemas.openxmlformats.org/officeDocument/2006/relationships" xmlns:mc="http://schemas.openxmlformats.org/markup-compatibility/2006" xmlns:mv="urn:schemas-microsoft-com:mac:vml" xmlns:p="http://schemas.openxmlformats.org/presentationml/2006/main" xmlns:c="http://schemas.openxmlformats.org/drawingml/2006/chart" xmlns:dgm="http://schemas.openxmlformats.org/drawingml/2006/diagram" xmlns:o="urn:schemas-microsoft-com:office:office" xmlns:v="urn:schemas-microsoft-com:vml" xmlns:pvml="urn:schemas-microsoft-com:office:powerpoint" xmlns:com="http://schemas.openxmlformats.org/drawingml/2006/compatibility" xmlns:p14="http://schemas.microsoft.com/office/powerpoint/2010/main" xmlns:p15="http://schemas.microsoft.com/office/powerpoint/2012/main" xmlns:ahyp="http://schemas.microsoft.com/office/drawing/2018/hyperlinkcolor" showMasterPhAnim="0" showMasterSp="0">
+  <p:cSld>
+    <p:spTree>
+      <p:nvGrpSpPr>
+        <p:cNvPr id="543" name="Shape 543"/>
+        <p:cNvGrpSpPr/>
+        <p:nvPr/>
+      </p:nvGrpSpPr>
+      <p:grpSpPr>
+        <a:xfrm>
+          <a:off x="0" y="0"/>
+          <a:ext cx="0" cy="0"/>
+          <a:chOff x="0" y="0"/>
+          <a:chExt cx="0" cy="0"/>
+        </a:xfrm>
+      </p:grpSpPr>
+      <p:sp>
+        <p:nvSpPr>
+          <p:cNvPr id="544" name="Google Shape;544;p41:notes"/>
+          <p:cNvSpPr txBox="1"/>
+          <p:nvPr>
+            <p:ph idx="1" type="body"/>
+          </p:nvPr>
+        </p:nvSpPr>
+        <p:spPr>
+          <a:xfrm>
+            <a:off x="755950" y="5078600"/>
+            <a:ext cx="6047725" cy="4811300"/>
+          </a:xfrm>
+          <a:prstGeom prst="rect">
+            <a:avLst/>
+          </a:prstGeom>
+          <a:noFill/>
+          <a:ln>
+            <a:noFill/>
+          </a:ln>
+        </p:spPr>
+        <p:txBody>
+          <a:bodyPr anchorCtr="0" anchor="t" bIns="91425" lIns="91425" spcFirstLastPara="1" rIns="91425" wrap="square" tIns="91425">
+            <a:noAutofit/>
+          </a:bodyPr>
+          <a:lstStyle/>
+          <a:p>
+            <a:pPr indent="0" lvl="0" marL="0" rtl="0" algn="l">
+              <a:lnSpc>
+                <a:spcPct val="100000"/>
+              </a:lnSpc>
+              <a:spcBef>
+                <a:spcPts val="0"/>
+              </a:spcBef>
+              <a:spcAft>
+                <a:spcPts val="0"/>
+              </a:spcAft>
+              <a:buSzPts val="1100"/>
+              <a:buNone/>
+            </a:pPr>
+            <a:r>
+              <a:t/>
+            </a:r>
+            <a:endParaRPr/>
+          </a:p>
+        </p:txBody>
+      </p:sp>
+      <p:sp>
+        <p:nvSpPr>
+          <p:cNvPr id="545" name="Google Shape;545;p41:notes"/>
+          <p:cNvSpPr/>
+          <p:nvPr>
+            <p:ph idx="2" type="sldImg"/>
+          </p:nvPr>
+        </p:nvSpPr>
+        <p:spPr>
+          <a:xfrm>
+            <a:off x="1260175" y="801875"/>
+            <a:ext cx="5040025" cy="4009425"/>
+          </a:xfrm>
+          <a:custGeom>
+            <a:rect b="b" l="l" r="r" t="t"/>
+            <a:pathLst>
+              <a:path extrusionOk="0" h="120000" w="120000">
+                <a:moveTo>
+                  <a:pt x="0" y="0"/>
+                </a:moveTo>
+                <a:lnTo>
+                  <a:pt x="120000" y="0"/>
+                </a:lnTo>
+                <a:lnTo>
+                  <a:pt x="120000" y="120000"/>
+                </a:lnTo>
+                <a:lnTo>
+                  <a:pt x="0" y="120000"/>
+                </a:lnTo>
+                <a:close/>
+              </a:path>
+            </a:pathLst>
+          </a:custGeom>
+          <a:noFill/>
+          <a:ln cap="flat" cmpd="sng" w="9525">
+            <a:solidFill>
+              <a:srgbClr val="000000"/>
+            </a:solidFill>
+            <a:prstDash val="solid"/>
+            <a:round/>
+            <a:headEnd len="sm" w="sm" type="none"/>
+            <a:tailEnd len="sm" w="sm" type="none"/>
+          </a:ln>
+        </p:spPr>
+      </p:sp>
+    </p:spTree>
+  </p:cSld>
+  <p:clrMapOvr>
+    <a:masterClrMapping/>
+  </p:clrMapOvr>
+</p:notes>
+</file>
+
+<file path=ppt/notesSlides/notesSlide69.xml><?xml version="1.0" encoding="utf-8"?>
+<p:notes xmlns:a="http://schemas.openxmlformats.org/drawingml/2006/main" xmlns:r="http://schemas.openxmlformats.org/officeDocument/2006/relationships" xmlns:mc="http://schemas.openxmlformats.org/markup-compatibility/2006" xmlns:mv="urn:schemas-microsoft-com:mac:vml" xmlns:p="http://schemas.openxmlformats.org/presentationml/2006/main" xmlns:c="http://schemas.openxmlformats.org/drawingml/2006/chart" xmlns:dgm="http://schemas.openxmlformats.org/drawingml/2006/diagram" xmlns:o="urn:schemas-microsoft-com:office:office" xmlns:v="urn:schemas-microsoft-com:vml" xmlns:pvml="urn:schemas-microsoft-com:office:powerpoint" xmlns:com="http://schemas.openxmlformats.org/drawingml/2006/compatibility" xmlns:p14="http://schemas.microsoft.com/office/powerpoint/2010/main" xmlns:p15="http://schemas.microsoft.com/office/powerpoint/2012/main" xmlns:ahyp="http://schemas.microsoft.com/office/drawing/2018/hyperlinkcolor" showMasterPhAnim="0" showMasterSp="0">
+  <p:cSld>
+    <p:spTree>
+      <p:nvGrpSpPr>
+        <p:cNvPr id="549" name="Shape 549"/>
+        <p:cNvGrpSpPr/>
+        <p:nvPr/>
+      </p:nvGrpSpPr>
+      <p:grpSpPr>
+        <a:xfrm>
+          <a:off x="0" y="0"/>
+          <a:ext cx="0" cy="0"/>
+          <a:chOff x="0" y="0"/>
+          <a:chExt cx="0" cy="0"/>
+        </a:xfrm>
+      </p:grpSpPr>
+      <p:sp>
+        <p:nvSpPr>
+          <p:cNvPr id="550" name="Google Shape;550;p42:notes"/>
+          <p:cNvSpPr txBox="1"/>
+          <p:nvPr>
+            <p:ph idx="1" type="body"/>
+          </p:nvPr>
+        </p:nvSpPr>
+        <p:spPr>
+          <a:xfrm>
+            <a:off x="755950" y="5078600"/>
+            <a:ext cx="6047725" cy="4811300"/>
+          </a:xfrm>
+          <a:prstGeom prst="rect">
+            <a:avLst/>
+          </a:prstGeom>
+          <a:noFill/>
+          <a:ln>
+            <a:noFill/>
+          </a:ln>
+        </p:spPr>
+        <p:txBody>
+          <a:bodyPr anchorCtr="0" anchor="t" bIns="91425" lIns="91425" spcFirstLastPara="1" rIns="91425" wrap="square" tIns="91425">
+            <a:noAutofit/>
+          </a:bodyPr>
+          <a:lstStyle/>
+          <a:p>
+            <a:pPr indent="0" lvl="0" marL="0" rtl="0" algn="l">
+              <a:lnSpc>
+                <a:spcPct val="100000"/>
+              </a:lnSpc>
+              <a:spcBef>
+                <a:spcPts val="0"/>
+              </a:spcBef>
+              <a:spcAft>
+                <a:spcPts val="0"/>
+              </a:spcAft>
+              <a:buSzPts val="1100"/>
+              <a:buNone/>
+            </a:pPr>
+            <a:r>
+              <a:t/>
+            </a:r>
+            <a:endParaRPr/>
+          </a:p>
+        </p:txBody>
+      </p:sp>
+      <p:sp>
+        <p:nvSpPr>
+          <p:cNvPr id="551" name="Google Shape;551;p42:notes"/>
+          <p:cNvSpPr/>
+          <p:nvPr>
+            <p:ph idx="2" type="sldImg"/>
+          </p:nvPr>
+        </p:nvSpPr>
+        <p:spPr>
+          <a:xfrm>
+            <a:off x="1260175" y="801875"/>
+            <a:ext cx="5040025" cy="4009425"/>
           </a:xfrm>
           <a:custGeom>
             <a:rect b="b" l="l" r="r" t="t"/>
@@ -40448,6 +41746,34 @@
           </a:p>
         </p:txBody>
       </p:sp>
+      <p:pic>
+        <p:nvPicPr>
+          <p:cNvPr id="458" name="Google Shape;458;g2ea5f1d08cc_1_33"/>
+          <p:cNvPicPr preferRelativeResize="0"/>
+          <p:nvPr/>
+        </p:nvPicPr>
+        <p:blipFill>
+          <a:blip r:embed="rId3">
+            <a:alphaModFix/>
+          </a:blip>
+          <a:stretch>
+            <a:fillRect/>
+          </a:stretch>
+        </p:blipFill>
+        <p:spPr>
+          <a:xfrm>
+            <a:off x="2339699" y="1221025"/>
+            <a:ext cx="5498125" cy="4120601"/>
+          </a:xfrm>
+          <a:prstGeom prst="rect">
+            <a:avLst/>
+          </a:prstGeom>
+          <a:noFill/>
+          <a:ln>
+            <a:noFill/>
+          </a:ln>
+        </p:spPr>
+      </p:pic>
     </p:spTree>
   </p:cSld>
   <p:clrMapOvr>
@@ -40461,7 +41787,7 @@
   <p:cSld>
     <p:spTree>
       <p:nvGrpSpPr>
-        <p:cNvPr id="461" name="Shape 461"/>
+        <p:cNvPr id="462" name="Shape 462"/>
         <p:cNvGrpSpPr/>
         <p:nvPr/>
       </p:nvGrpSpPr>
@@ -40475,7 +41801,7 @@
       </p:grpSpPr>
       <p:sp>
         <p:nvSpPr>
-          <p:cNvPr id="462" name="Google Shape;462;g2ea5f1d08cc_1_38"/>
+          <p:cNvPr id="463" name="Google Shape;463;g2ea6b6f92b1_0_1"/>
           <p:cNvSpPr txBox="1"/>
           <p:nvPr/>
         </p:nvSpPr>
@@ -40521,7 +41847,7 @@
                   <a:srgbClr val="FFFFFF"/>
                 </a:solidFill>
               </a:rPr>
-              <a:t>Visualizações</a:t>
+              <a:t>Geometrias</a:t>
             </a:r>
             <a:endParaRPr b="1" i="0" sz="2700" u="none" cap="none" strike="noStrike">
               <a:solidFill>
@@ -40537,7 +41863,7 @@
       </p:sp>
       <p:sp>
         <p:nvSpPr>
-          <p:cNvPr id="463" name="Google Shape;463;g2ea5f1d08cc_1_38"/>
+          <p:cNvPr id="464" name="Google Shape;464;g2ea6b6f92b1_0_1"/>
           <p:cNvSpPr txBox="1"/>
           <p:nvPr/>
         </p:nvSpPr>
@@ -40583,6 +41909,33 @@
           </a:p>
         </p:txBody>
       </p:sp>
+      <p:pic>
+        <p:nvPicPr>
+          <p:cNvPr id="465" name="Google Shape;465;g2ea6b6f92b1_0_1"/>
+          <p:cNvPicPr preferRelativeResize="0"/>
+          <p:nvPr/>
+        </p:nvPicPr>
+        <p:blipFill rotWithShape="1">
+          <a:blip r:embed="rId3">
+            <a:alphaModFix/>
+          </a:blip>
+          <a:srcRect b="0" l="475" r="485" t="0"/>
+          <a:stretch/>
+        </p:blipFill>
+        <p:spPr>
+          <a:xfrm>
+            <a:off x="2352849" y="1260500"/>
+            <a:ext cx="5498126" cy="4120601"/>
+          </a:xfrm>
+          <a:prstGeom prst="rect">
+            <a:avLst/>
+          </a:prstGeom>
+          <a:noFill/>
+          <a:ln>
+            <a:noFill/>
+          </a:ln>
+        </p:spPr>
+      </p:pic>
     </p:spTree>
   </p:cSld>
   <p:clrMapOvr>
@@ -40596,7 +41949,7 @@
   <p:cSld>
     <p:spTree>
       <p:nvGrpSpPr>
-        <p:cNvPr id="467" name="Shape 467"/>
+        <p:cNvPr id="469" name="Shape 469"/>
         <p:cNvGrpSpPr/>
         <p:nvPr/>
       </p:nvGrpSpPr>
@@ -40610,7 +41963,7 @@
       </p:grpSpPr>
       <p:sp>
         <p:nvSpPr>
-          <p:cNvPr id="468" name="Google Shape;468;p41"/>
+          <p:cNvPr id="470" name="Google Shape;470;g2ea6b6f92b1_0_7"/>
           <p:cNvSpPr txBox="1"/>
           <p:nvPr/>
         </p:nvSpPr>
@@ -40651,16 +42004,12 @@
               <a:buNone/>
             </a:pPr>
             <a:r>
-              <a:rPr b="1" i="0" lang="pt-BR" sz="2700" u="none" cap="none" strike="noStrike">
+              <a:rPr b="1" lang="pt-BR" sz="2700">
                 <a:solidFill>
                   <a:srgbClr val="FFFFFF"/>
                 </a:solidFill>
-                <a:latin typeface="Arial"/>
-                <a:ea typeface="Arial"/>
-                <a:cs typeface="Arial"/>
-                <a:sym typeface="Arial"/>
               </a:rPr>
-              <a:t>Conclusão</a:t>
+              <a:t>Geometrias</a:t>
             </a:r>
             <a:endParaRPr b="1" i="0" sz="2700" u="none" cap="none" strike="noStrike">
               <a:solidFill>
@@ -40676,7 +42025,7 @@
       </p:sp>
       <p:sp>
         <p:nvSpPr>
-          <p:cNvPr id="469" name="Google Shape;469;p41"/>
+          <p:cNvPr id="471" name="Google Shape;471;g2ea6b6f92b1_0_7"/>
           <p:cNvSpPr txBox="1"/>
           <p:nvPr/>
         </p:nvSpPr>
@@ -40699,191 +42048,56 @@
           </a:bodyPr>
           <a:lstStyle/>
           <a:p>
-            <a:pPr indent="-323999" lvl="0" marL="431999" marR="0" rtl="0" algn="l">
-              <a:lnSpc>
-                <a:spcPct val="100000"/>
-              </a:lnSpc>
-              <a:spcBef>
-                <a:spcPts val="0"/>
-              </a:spcBef>
-              <a:spcAft>
-                <a:spcPts val="0"/>
-              </a:spcAft>
-              <a:buClr>
-                <a:srgbClr val="2C3E50"/>
-              </a:buClr>
-              <a:buSzPts val="1080"/>
-              <a:buFont typeface="Noto Sans Symbols"/>
-              <a:buChar char="●"/>
-            </a:pPr>
-            <a:r>
-              <a:rPr b="1" i="0" lang="pt-BR" sz="2400" u="none" cap="none" strike="noStrike">
-                <a:solidFill>
-                  <a:srgbClr val="2C3E50"/>
-                </a:solidFill>
-                <a:latin typeface="Arial"/>
-                <a:ea typeface="Arial"/>
-                <a:cs typeface="Arial"/>
-                <a:sym typeface="Arial"/>
-              </a:rPr>
-              <a:t>Lucas Natan: </a:t>
-            </a:r>
-            <a:r>
-              <a:rPr b="1" i="0" lang="pt-BR" sz="2400" u="sng" cap="none" strike="noStrike">
-                <a:solidFill>
-                  <a:schemeClr val="hlink"/>
-                </a:solidFill>
-                <a:latin typeface="Arial"/>
-                <a:ea typeface="Arial"/>
-                <a:cs typeface="Arial"/>
-                <a:sym typeface="Arial"/>
-                <a:hlinkClick r:id="rId3"/>
-              </a:rPr>
-              <a:t>lucasnatan@id.uff.br</a:t>
-            </a:r>
-            <a:endParaRPr b="1" i="0" sz="2400" u="none" cap="none" strike="noStrike">
+            <a:pPr indent="0" lvl="0" marL="1371600" marR="0" rtl="0" algn="l">
+              <a:lnSpc>
+                <a:spcPct val="100000"/>
+              </a:lnSpc>
+              <a:spcBef>
+                <a:spcPts val="0"/>
+              </a:spcBef>
+              <a:spcAft>
+                <a:spcPts val="0"/>
+              </a:spcAft>
+              <a:buNone/>
+            </a:pPr>
+            <a:r>
+              <a:t/>
+            </a:r>
+            <a:endParaRPr sz="2400">
               <a:solidFill>
                 <a:srgbClr val="2C3E50"/>
               </a:solidFill>
-              <a:latin typeface="Arial"/>
-              <a:ea typeface="Arial"/>
-              <a:cs typeface="Arial"/>
-              <a:sym typeface="Arial"/>
-            </a:endParaRPr>
-          </a:p>
-          <a:p>
-            <a:pPr indent="-323999" lvl="0" marL="431999" marR="0" rtl="0" algn="l">
-              <a:lnSpc>
-                <a:spcPct val="100000"/>
-              </a:lnSpc>
-              <a:spcBef>
-                <a:spcPts val="0"/>
-              </a:spcBef>
-              <a:spcAft>
-                <a:spcPts val="0"/>
-              </a:spcAft>
-              <a:buClr>
-                <a:srgbClr val="2C3E50"/>
-              </a:buClr>
-              <a:buSzPts val="1080"/>
-              <a:buFont typeface="Noto Sans Symbols"/>
-              <a:buChar char="●"/>
-            </a:pPr>
-            <a:r>
-              <a:rPr b="1" i="0" lang="pt-BR" sz="2400" u="none" cap="none" strike="noStrike">
-                <a:solidFill>
-                  <a:srgbClr val="2C3E50"/>
-                </a:solidFill>
-                <a:latin typeface="Arial"/>
-                <a:ea typeface="Arial"/>
-                <a:cs typeface="Arial"/>
-                <a:sym typeface="Arial"/>
-              </a:rPr>
-              <a:t>Ruan Pablo: </a:t>
-            </a:r>
-            <a:r>
-              <a:rPr b="1" i="0" lang="pt-BR" sz="2400" u="sng" cap="none" strike="noStrike">
-                <a:solidFill>
-                  <a:schemeClr val="hlink"/>
-                </a:solidFill>
-                <a:latin typeface="Arial"/>
-                <a:ea typeface="Arial"/>
-                <a:cs typeface="Arial"/>
-                <a:sym typeface="Arial"/>
-                <a:hlinkClick r:id="rId4"/>
-              </a:rPr>
-              <a:t>ruanpablo@id.uff.br</a:t>
-            </a:r>
-            <a:endParaRPr b="1" i="0" sz="2400" u="none" cap="none" strike="noStrike">
-              <a:solidFill>
-                <a:srgbClr val="2C3E50"/>
-              </a:solidFill>
-              <a:latin typeface="Arial"/>
-              <a:ea typeface="Arial"/>
-              <a:cs typeface="Arial"/>
-              <a:sym typeface="Arial"/>
-            </a:endParaRPr>
-          </a:p>
-          <a:p>
-            <a:pPr indent="-324000" lvl="0" marL="432000" marR="0" rtl="0" algn="l">
-              <a:lnSpc>
-                <a:spcPct val="100000"/>
-              </a:lnSpc>
-              <a:spcBef>
-                <a:spcPts val="0"/>
-              </a:spcBef>
-              <a:spcAft>
-                <a:spcPts val="0"/>
-              </a:spcAft>
-              <a:buClr>
-                <a:srgbClr val="2C3E50"/>
-              </a:buClr>
-              <a:buSzPts val="1080"/>
-              <a:buFont typeface="Noto Sans Symbols"/>
-              <a:buChar char="●"/>
-            </a:pPr>
-            <a:r>
-              <a:rPr b="1" i="0" lang="pt-BR" sz="2400" u="none" cap="none" strike="noStrike">
-                <a:solidFill>
-                  <a:srgbClr val="2C3E50"/>
-                </a:solidFill>
-                <a:latin typeface="Arial"/>
-                <a:ea typeface="Arial"/>
-                <a:cs typeface="Arial"/>
-                <a:sym typeface="Arial"/>
-              </a:rPr>
-              <a:t>Italo Portinho: </a:t>
-            </a:r>
-            <a:r>
-              <a:rPr b="1" i="0" lang="pt-BR" sz="2400" u="sng" cap="none" strike="noStrike">
-                <a:solidFill>
-                  <a:schemeClr val="hlink"/>
-                </a:solidFill>
-                <a:latin typeface="Arial"/>
-                <a:ea typeface="Arial"/>
-                <a:cs typeface="Arial"/>
-                <a:sym typeface="Arial"/>
-                <a:hlinkClick r:id="rId5"/>
-              </a:rPr>
-              <a:t>italons@gmail.com</a:t>
-            </a:r>
-            <a:r>
-              <a:rPr b="1" i="0" lang="pt-BR" sz="2400" u="none" cap="none" strike="noStrike">
-                <a:solidFill>
-                  <a:srgbClr val="2C3E50"/>
-                </a:solidFill>
-                <a:latin typeface="Arial"/>
-                <a:ea typeface="Arial"/>
-                <a:cs typeface="Arial"/>
-                <a:sym typeface="Arial"/>
-              </a:rPr>
-              <a:t>, </a:t>
-            </a:r>
-            <a:r>
-              <a:rPr b="1" i="0" lang="pt-BR" sz="2400" u="sng" cap="none" strike="noStrike">
-                <a:solidFill>
-                  <a:schemeClr val="hlink"/>
-                </a:solidFill>
-                <a:latin typeface="Arial"/>
-                <a:ea typeface="Arial"/>
-                <a:cs typeface="Arial"/>
-                <a:sym typeface="Arial"/>
-                <a:hlinkClick r:id="rId6"/>
-              </a:rPr>
-              <a:t>italoleite@id.uff.br</a:t>
-            </a:r>
-            <a:endParaRPr b="1" i="0" sz="2400" u="none" cap="none" strike="noStrike">
-              <a:solidFill>
-                <a:srgbClr val="2C3E50"/>
-              </a:solidFill>
-              <a:latin typeface="Arial"/>
-              <a:ea typeface="Arial"/>
-              <a:cs typeface="Arial"/>
-              <a:sym typeface="Arial"/>
             </a:endParaRPr>
           </a:p>
         </p:txBody>
       </p:sp>
+      <p:pic>
+        <p:nvPicPr>
+          <p:cNvPr id="472" name="Google Shape;472;g2ea6b6f92b1_0_7"/>
+          <p:cNvPicPr preferRelativeResize="0"/>
+          <p:nvPr/>
+        </p:nvPicPr>
+        <p:blipFill rotWithShape="1">
+          <a:blip r:embed="rId3">
+            <a:alphaModFix/>
+          </a:blip>
+          <a:srcRect b="1257" l="0" r="0" t="1247"/>
+          <a:stretch/>
+        </p:blipFill>
+        <p:spPr>
+          <a:xfrm>
+            <a:off x="2352849" y="1260500"/>
+            <a:ext cx="5498126" cy="4120601"/>
+          </a:xfrm>
+          <a:prstGeom prst="rect">
+            <a:avLst/>
+          </a:prstGeom>
+          <a:noFill/>
+          <a:ln>
+            <a:noFill/>
+          </a:ln>
+        </p:spPr>
+      </p:pic>
     </p:spTree>
   </p:cSld>
   <p:clrMapOvr>
@@ -40897,7 +42111,7 @@
   <p:cSld>
     <p:spTree>
       <p:nvGrpSpPr>
-        <p:cNvPr id="473" name="Shape 473"/>
+        <p:cNvPr id="476" name="Shape 476"/>
         <p:cNvGrpSpPr/>
         <p:nvPr/>
       </p:nvGrpSpPr>
@@ -40911,7 +42125,7 @@
       </p:grpSpPr>
       <p:sp>
         <p:nvSpPr>
-          <p:cNvPr id="474" name="Google Shape;474;p42"/>
+          <p:cNvPr id="477" name="Google Shape;477;g2ea6b6f92b1_0_13"/>
           <p:cNvSpPr txBox="1"/>
           <p:nvPr/>
         </p:nvSpPr>
@@ -40952,16 +42166,12 @@
               <a:buNone/>
             </a:pPr>
             <a:r>
-              <a:rPr b="1" i="0" lang="pt-BR" sz="2700" u="none" cap="none" strike="noStrike">
+              <a:rPr b="1" lang="pt-BR" sz="2700">
                 <a:solidFill>
                   <a:srgbClr val="FFFFFF"/>
                 </a:solidFill>
-                <a:latin typeface="Arial"/>
-                <a:ea typeface="Arial"/>
-                <a:cs typeface="Arial"/>
-                <a:sym typeface="Arial"/>
               </a:rPr>
-              <a:t>FIM</a:t>
+              <a:t>Geometrias</a:t>
             </a:r>
             <a:endParaRPr b="1" i="0" sz="2700" u="none" cap="none" strike="noStrike">
               <a:solidFill>
@@ -40977,7 +42187,7 @@
       </p:sp>
       <p:sp>
         <p:nvSpPr>
-          <p:cNvPr id="475" name="Google Shape;475;p42"/>
+          <p:cNvPr id="478" name="Google Shape;478;g2ea6b6f92b1_0_13"/>
           <p:cNvSpPr txBox="1"/>
           <p:nvPr/>
         </p:nvSpPr>
@@ -41000,29 +42210,135 @@
           </a:bodyPr>
           <a:lstStyle/>
           <a:p>
-            <a:pPr indent="-255419" lvl="0" marL="432000" marR="0" rtl="0" algn="ctr">
-              <a:lnSpc>
-                <a:spcPct val="100000"/>
-              </a:lnSpc>
-              <a:spcBef>
-                <a:spcPts val="0"/>
-              </a:spcBef>
-              <a:spcAft>
-                <a:spcPts val="0"/>
-              </a:spcAft>
-              <a:buClr>
-                <a:srgbClr val="2C3E50"/>
-              </a:buClr>
-              <a:buSzPts val="1080"/>
-              <a:buFont typeface="Noto Sans Symbols"/>
+            <a:pPr indent="0" lvl="0" marL="1371600" marR="0" rtl="0" algn="l">
+              <a:lnSpc>
+                <a:spcPct val="100000"/>
+              </a:lnSpc>
+              <a:spcBef>
+                <a:spcPts val="0"/>
+              </a:spcBef>
+              <a:spcAft>
+                <a:spcPts val="0"/>
+              </a:spcAft>
               <a:buNone/>
             </a:pPr>
             <a:r>
               <a:t/>
             </a:r>
-            <a:endParaRPr b="1" i="0" sz="2400" u="none" cap="none" strike="noStrike">
+            <a:endParaRPr sz="2400">
               <a:solidFill>
                 <a:srgbClr val="2C3E50"/>
+              </a:solidFill>
+            </a:endParaRPr>
+          </a:p>
+        </p:txBody>
+      </p:sp>
+      <p:pic>
+        <p:nvPicPr>
+          <p:cNvPr id="479" name="Google Shape;479;g2ea6b6f92b1_0_13"/>
+          <p:cNvPicPr preferRelativeResize="0"/>
+          <p:nvPr/>
+        </p:nvPicPr>
+        <p:blipFill>
+          <a:blip r:embed="rId3">
+            <a:alphaModFix/>
+          </a:blip>
+          <a:stretch>
+            <a:fillRect/>
+          </a:stretch>
+        </p:blipFill>
+        <p:spPr>
+          <a:xfrm>
+            <a:off x="113075" y="0"/>
+            <a:ext cx="9854477" cy="5670550"/>
+          </a:xfrm>
+          <a:prstGeom prst="rect">
+            <a:avLst/>
+          </a:prstGeom>
+          <a:noFill/>
+          <a:ln>
+            <a:noFill/>
+          </a:ln>
+        </p:spPr>
+      </p:pic>
+    </p:spTree>
+  </p:cSld>
+  <p:clrMapOvr>
+    <a:masterClrMapping/>
+  </p:clrMapOvr>
+</p:sld>
+</file>
+
+<file path=ppt/slides/slide59.xml><?xml version="1.0" encoding="utf-8"?>
+<p:sld xmlns:a="http://schemas.openxmlformats.org/drawingml/2006/main" xmlns:r="http://schemas.openxmlformats.org/officeDocument/2006/relationships" xmlns:mc="http://schemas.openxmlformats.org/markup-compatibility/2006" xmlns:mv="urn:schemas-microsoft-com:mac:vml" xmlns:p="http://schemas.openxmlformats.org/presentationml/2006/main" xmlns:c="http://schemas.openxmlformats.org/drawingml/2006/chart" xmlns:dgm="http://schemas.openxmlformats.org/drawingml/2006/diagram" xmlns:o="urn:schemas-microsoft-com:office:office" xmlns:v="urn:schemas-microsoft-com:vml" xmlns:pvml="urn:schemas-microsoft-com:office:powerpoint" xmlns:com="http://schemas.openxmlformats.org/drawingml/2006/compatibility" xmlns:p14="http://schemas.microsoft.com/office/powerpoint/2010/main" xmlns:p15="http://schemas.microsoft.com/office/powerpoint/2012/main" xmlns:ahyp="http://schemas.microsoft.com/office/drawing/2018/hyperlinkcolor">
+  <p:cSld>
+    <p:spTree>
+      <p:nvGrpSpPr>
+        <p:cNvPr id="483" name="Shape 483"/>
+        <p:cNvGrpSpPr/>
+        <p:nvPr/>
+      </p:nvGrpSpPr>
+      <p:grpSpPr>
+        <a:xfrm>
+          <a:off x="0" y="0"/>
+          <a:ext cx="0" cy="0"/>
+          <a:chOff x="0" y="0"/>
+          <a:chExt cx="0" cy="0"/>
+        </a:xfrm>
+      </p:grpSpPr>
+      <p:sp>
+        <p:nvSpPr>
+          <p:cNvPr id="484" name="Google Shape;484;g2ea6b6f92b1_0_26"/>
+          <p:cNvSpPr txBox="1"/>
+          <p:nvPr/>
+        </p:nvSpPr>
+        <p:spPr>
+          <a:xfrm>
+            <a:off x="360000" y="225720"/>
+            <a:ext cx="9360000" cy="720000"/>
+          </a:xfrm>
+          <a:prstGeom prst="rect">
+            <a:avLst/>
+          </a:prstGeom>
+          <a:noFill/>
+          <a:ln>
+            <a:noFill/>
+          </a:ln>
+        </p:spPr>
+        <p:txBody>
+          <a:bodyPr anchorCtr="0" anchor="ctr" bIns="0" lIns="0" spcFirstLastPara="1" rIns="0" wrap="square" tIns="0">
+            <a:noAutofit/>
+          </a:bodyPr>
+          <a:lstStyle/>
+          <a:p>
+            <a:pPr indent="0" lvl="0" marL="0" marR="0" rtl="0" algn="l">
+              <a:lnSpc>
+                <a:spcPct val="100000"/>
+              </a:lnSpc>
+              <a:spcBef>
+                <a:spcPts val="0"/>
+              </a:spcBef>
+              <a:spcAft>
+                <a:spcPts val="0"/>
+              </a:spcAft>
+              <a:buClr>
+                <a:srgbClr val="000000"/>
+              </a:buClr>
+              <a:buSzPts val="2700"/>
+              <a:buFont typeface="Arial"/>
+              <a:buNone/>
+            </a:pPr>
+            <a:r>
+              <a:rPr b="1" lang="pt-BR" sz="2700">
+                <a:solidFill>
+                  <a:srgbClr val="FFFFFF"/>
+                </a:solidFill>
+              </a:rPr>
+              <a:t>Geometrias</a:t>
+            </a:r>
+            <a:endParaRPr b="1" i="0" sz="2700" u="none" cap="none" strike="noStrike">
+              <a:solidFill>
+                <a:srgbClr val="FFFFFF"/>
               </a:solidFill>
               <a:latin typeface="Arial"/>
               <a:ea typeface="Arial"/>
@@ -41030,110 +42346,83 @@
               <a:sym typeface="Arial"/>
             </a:endParaRPr>
           </a:p>
-          <a:p>
-            <a:pPr indent="-255419" lvl="0" marL="432000" marR="0" rtl="0" algn="ctr">
-              <a:lnSpc>
-                <a:spcPct val="100000"/>
-              </a:lnSpc>
-              <a:spcBef>
-                <a:spcPts val="1057"/>
-              </a:spcBef>
-              <a:spcAft>
-                <a:spcPts val="0"/>
-              </a:spcAft>
-              <a:buClr>
-                <a:srgbClr val="2C3E50"/>
-              </a:buClr>
-              <a:buSzPts val="1080"/>
-              <a:buFont typeface="Noto Sans Symbols"/>
-              <a:buNone/>
-            </a:pPr>
-            <a:r>
-              <a:t/>
-            </a:r>
-            <a:endParaRPr b="1" i="0" sz="2400" u="none" cap="none" strike="noStrike">
-              <a:solidFill>
-                <a:srgbClr val="2C3E50"/>
-              </a:solidFill>
-              <a:latin typeface="Arial"/>
-              <a:ea typeface="Arial"/>
-              <a:cs typeface="Arial"/>
-              <a:sym typeface="Arial"/>
-            </a:endParaRPr>
-          </a:p>
-          <a:p>
-            <a:pPr indent="-255419" lvl="0" marL="432000" marR="0" rtl="0" algn="ctr">
-              <a:lnSpc>
-                <a:spcPct val="100000"/>
-              </a:lnSpc>
-              <a:spcBef>
-                <a:spcPts val="1057"/>
-              </a:spcBef>
-              <a:spcAft>
-                <a:spcPts val="0"/>
-              </a:spcAft>
-              <a:buClr>
-                <a:srgbClr val="2C3E50"/>
-              </a:buClr>
-              <a:buSzPts val="1080"/>
-              <a:buFont typeface="Noto Sans Symbols"/>
-              <a:buNone/>
-            </a:pPr>
-            <a:r>
-              <a:t/>
-            </a:r>
-            <a:endParaRPr b="1" i="0" sz="2400" u="none" cap="none" strike="noStrike">
-              <a:solidFill>
-                <a:srgbClr val="2C3E50"/>
-              </a:solidFill>
-              <a:latin typeface="Arial"/>
-              <a:ea typeface="Arial"/>
-              <a:cs typeface="Arial"/>
-              <a:sym typeface="Arial"/>
-            </a:endParaRPr>
-          </a:p>
-          <a:p>
-            <a:pPr indent="-324000" lvl="0" marL="432000" marR="0" rtl="0" algn="ctr">
-              <a:lnSpc>
-                <a:spcPct val="100000"/>
-              </a:lnSpc>
-              <a:spcBef>
-                <a:spcPts val="1057"/>
-              </a:spcBef>
-              <a:spcAft>
-                <a:spcPts val="0"/>
-              </a:spcAft>
-              <a:buClr>
-                <a:srgbClr val="2C3E50"/>
-              </a:buClr>
-              <a:buSzPts val="1080"/>
-              <a:buFont typeface="Noto Sans Symbols"/>
-              <a:buChar char="●"/>
-            </a:pPr>
-            <a:r>
-              <a:rPr b="1" i="0" lang="pt-BR" sz="2400" u="none" cap="none" strike="noStrike">
-                <a:solidFill>
-                  <a:srgbClr val="2C3E50"/>
-                </a:solidFill>
-                <a:latin typeface="Arial"/>
-                <a:ea typeface="Arial"/>
-                <a:cs typeface="Arial"/>
-                <a:sym typeface="Arial"/>
-              </a:rPr>
-              <a:t>Muito Obrigado!!!</a:t>
-            </a:r>
-            <a:endParaRPr b="1" i="0" sz="2400" u="none" cap="none" strike="noStrike">
-              <a:solidFill>
-                <a:srgbClr val="2C3E50"/>
-              </a:solidFill>
-              <a:latin typeface="Arial"/>
-              <a:ea typeface="Arial"/>
-              <a:cs typeface="Arial"/>
-              <a:sym typeface="Arial"/>
-            </a:endParaRPr>
-          </a:p>
         </p:txBody>
       </p:sp>
+      <p:sp>
+        <p:nvSpPr>
+          <p:cNvPr id="485" name="Google Shape;485;g2ea6b6f92b1_0_26"/>
+          <p:cNvSpPr txBox="1"/>
+          <p:nvPr/>
+        </p:nvSpPr>
+        <p:spPr>
+          <a:xfrm>
+            <a:off x="360000" y="1485000"/>
+            <a:ext cx="9360000" cy="3780000"/>
+          </a:xfrm>
+          <a:prstGeom prst="rect">
+            <a:avLst/>
+          </a:prstGeom>
+          <a:noFill/>
+          <a:ln>
+            <a:noFill/>
+          </a:ln>
+        </p:spPr>
+        <p:txBody>
+          <a:bodyPr anchorCtr="0" anchor="t" bIns="0" lIns="0" spcFirstLastPara="1" rIns="0" wrap="square" tIns="0">
+            <a:normAutofit/>
+          </a:bodyPr>
+          <a:lstStyle/>
+          <a:p>
+            <a:pPr indent="0" lvl="0" marL="1371600" marR="0" rtl="0" algn="l">
+              <a:lnSpc>
+                <a:spcPct val="100000"/>
+              </a:lnSpc>
+              <a:spcBef>
+                <a:spcPts val="0"/>
+              </a:spcBef>
+              <a:spcAft>
+                <a:spcPts val="0"/>
+              </a:spcAft>
+              <a:buNone/>
+            </a:pPr>
+            <a:r>
+              <a:t/>
+            </a:r>
+            <a:endParaRPr sz="2400">
+              <a:solidFill>
+                <a:srgbClr val="2C3E50"/>
+              </a:solidFill>
+            </a:endParaRPr>
+          </a:p>
+        </p:txBody>
+      </p:sp>
+      <p:pic>
+        <p:nvPicPr>
+          <p:cNvPr id="486" name="Google Shape;486;g2ea6b6f92b1_0_26"/>
+          <p:cNvPicPr preferRelativeResize="0"/>
+          <p:nvPr/>
+        </p:nvPicPr>
+        <p:blipFill rotWithShape="1">
+          <a:blip r:embed="rId3">
+            <a:alphaModFix/>
+          </a:blip>
+          <a:srcRect b="0" l="0" r="0" t="0"/>
+          <a:stretch/>
+        </p:blipFill>
+        <p:spPr>
+          <a:xfrm>
+            <a:off x="113075" y="0"/>
+            <a:ext cx="9854477" cy="5670550"/>
+          </a:xfrm>
+          <a:prstGeom prst="rect">
+            <a:avLst/>
+          </a:prstGeom>
+          <a:noFill/>
+          <a:ln>
+            <a:noFill/>
+          </a:ln>
+        </p:spPr>
+      </p:pic>
     </p:spTree>
   </p:cSld>
   <p:clrMapOvr>
@@ -41684,6 +42973,2064 @@
                 <a:sym typeface="Arial"/>
               </a:rPr>
               <a:t>		</a:t>
+            </a:r>
+            <a:endParaRPr b="1" i="0" sz="2400" u="none" cap="none" strike="noStrike">
+              <a:solidFill>
+                <a:srgbClr val="2C3E50"/>
+              </a:solidFill>
+              <a:latin typeface="Arial"/>
+              <a:ea typeface="Arial"/>
+              <a:cs typeface="Arial"/>
+              <a:sym typeface="Arial"/>
+            </a:endParaRPr>
+          </a:p>
+        </p:txBody>
+      </p:sp>
+    </p:spTree>
+  </p:cSld>
+  <p:clrMapOvr>
+    <a:masterClrMapping/>
+  </p:clrMapOvr>
+</p:sld>
+</file>
+
+<file path=ppt/slides/slide60.xml><?xml version="1.0" encoding="utf-8"?>
+<p:sld xmlns:a="http://schemas.openxmlformats.org/drawingml/2006/main" xmlns:r="http://schemas.openxmlformats.org/officeDocument/2006/relationships" xmlns:mc="http://schemas.openxmlformats.org/markup-compatibility/2006" xmlns:mv="urn:schemas-microsoft-com:mac:vml" xmlns:p="http://schemas.openxmlformats.org/presentationml/2006/main" xmlns:c="http://schemas.openxmlformats.org/drawingml/2006/chart" xmlns:dgm="http://schemas.openxmlformats.org/drawingml/2006/diagram" xmlns:o="urn:schemas-microsoft-com:office:office" xmlns:v="urn:schemas-microsoft-com:vml" xmlns:pvml="urn:schemas-microsoft-com:office:powerpoint" xmlns:com="http://schemas.openxmlformats.org/drawingml/2006/compatibility" xmlns:p14="http://schemas.microsoft.com/office/powerpoint/2010/main" xmlns:p15="http://schemas.microsoft.com/office/powerpoint/2012/main" xmlns:ahyp="http://schemas.microsoft.com/office/drawing/2018/hyperlinkcolor">
+  <p:cSld>
+    <p:spTree>
+      <p:nvGrpSpPr>
+        <p:cNvPr id="490" name="Shape 490"/>
+        <p:cNvGrpSpPr/>
+        <p:nvPr/>
+      </p:nvGrpSpPr>
+      <p:grpSpPr>
+        <a:xfrm>
+          <a:off x="0" y="0"/>
+          <a:ext cx="0" cy="0"/>
+          <a:chOff x="0" y="0"/>
+          <a:chExt cx="0" cy="0"/>
+        </a:xfrm>
+      </p:grpSpPr>
+      <p:sp>
+        <p:nvSpPr>
+          <p:cNvPr id="491" name="Google Shape;491;g2ea5f1d08cc_1_38"/>
+          <p:cNvSpPr txBox="1"/>
+          <p:nvPr/>
+        </p:nvSpPr>
+        <p:spPr>
+          <a:xfrm>
+            <a:off x="360000" y="225720"/>
+            <a:ext cx="9360000" cy="720000"/>
+          </a:xfrm>
+          <a:prstGeom prst="rect">
+            <a:avLst/>
+          </a:prstGeom>
+          <a:noFill/>
+          <a:ln>
+            <a:noFill/>
+          </a:ln>
+        </p:spPr>
+        <p:txBody>
+          <a:bodyPr anchorCtr="0" anchor="ctr" bIns="0" lIns="0" spcFirstLastPara="1" rIns="0" wrap="square" tIns="0">
+            <a:noAutofit/>
+          </a:bodyPr>
+          <a:lstStyle/>
+          <a:p>
+            <a:pPr indent="0" lvl="0" marL="0" marR="0" rtl="0" algn="l">
+              <a:lnSpc>
+                <a:spcPct val="100000"/>
+              </a:lnSpc>
+              <a:spcBef>
+                <a:spcPts val="0"/>
+              </a:spcBef>
+              <a:spcAft>
+                <a:spcPts val="0"/>
+              </a:spcAft>
+              <a:buClr>
+                <a:srgbClr val="000000"/>
+              </a:buClr>
+              <a:buSzPts val="2700"/>
+              <a:buFont typeface="Arial"/>
+              <a:buNone/>
+            </a:pPr>
+            <a:r>
+              <a:rPr b="1" lang="pt-BR" sz="2700">
+                <a:solidFill>
+                  <a:srgbClr val="FFFFFF"/>
+                </a:solidFill>
+              </a:rPr>
+              <a:t>Visualizações</a:t>
+            </a:r>
+            <a:endParaRPr b="1" i="0" sz="2700" u="none" cap="none" strike="noStrike">
+              <a:solidFill>
+                <a:srgbClr val="FFFFFF"/>
+              </a:solidFill>
+              <a:latin typeface="Arial"/>
+              <a:ea typeface="Arial"/>
+              <a:cs typeface="Arial"/>
+              <a:sym typeface="Arial"/>
+            </a:endParaRPr>
+          </a:p>
+        </p:txBody>
+      </p:sp>
+      <p:sp>
+        <p:nvSpPr>
+          <p:cNvPr id="492" name="Google Shape;492;g2ea5f1d08cc_1_38"/>
+          <p:cNvSpPr txBox="1"/>
+          <p:nvPr/>
+        </p:nvSpPr>
+        <p:spPr>
+          <a:xfrm>
+            <a:off x="360000" y="1485000"/>
+            <a:ext cx="9360000" cy="3780000"/>
+          </a:xfrm>
+          <a:prstGeom prst="rect">
+            <a:avLst/>
+          </a:prstGeom>
+          <a:noFill/>
+          <a:ln>
+            <a:noFill/>
+          </a:ln>
+        </p:spPr>
+        <p:txBody>
+          <a:bodyPr anchorCtr="0" anchor="t" bIns="0" lIns="0" spcFirstLastPara="1" rIns="0" wrap="square" tIns="0">
+            <a:normAutofit/>
+          </a:bodyPr>
+          <a:lstStyle/>
+          <a:p>
+            <a:pPr indent="0" lvl="0" marL="1371600" marR="0" rtl="0" algn="l">
+              <a:lnSpc>
+                <a:spcPct val="100000"/>
+              </a:lnSpc>
+              <a:spcBef>
+                <a:spcPts val="0"/>
+              </a:spcBef>
+              <a:spcAft>
+                <a:spcPts val="0"/>
+              </a:spcAft>
+              <a:buNone/>
+            </a:pPr>
+            <a:r>
+              <a:t/>
+            </a:r>
+            <a:endParaRPr sz="2400">
+              <a:solidFill>
+                <a:srgbClr val="2C3E50"/>
+              </a:solidFill>
+            </a:endParaRPr>
+          </a:p>
+        </p:txBody>
+      </p:sp>
+      <p:pic>
+        <p:nvPicPr>
+          <p:cNvPr id="493" name="Google Shape;493;g2ea5f1d08cc_1_38"/>
+          <p:cNvPicPr preferRelativeResize="0"/>
+          <p:nvPr/>
+        </p:nvPicPr>
+        <p:blipFill>
+          <a:blip r:embed="rId3">
+            <a:alphaModFix/>
+          </a:blip>
+          <a:stretch>
+            <a:fillRect/>
+          </a:stretch>
+        </p:blipFill>
+        <p:spPr>
+          <a:xfrm>
+            <a:off x="1864165" y="1266450"/>
+            <a:ext cx="6062226" cy="3974800"/>
+          </a:xfrm>
+          <a:prstGeom prst="rect">
+            <a:avLst/>
+          </a:prstGeom>
+          <a:noFill/>
+          <a:ln>
+            <a:noFill/>
+          </a:ln>
+        </p:spPr>
+      </p:pic>
+    </p:spTree>
+  </p:cSld>
+  <p:clrMapOvr>
+    <a:masterClrMapping/>
+  </p:clrMapOvr>
+</p:sld>
+</file>
+
+<file path=ppt/slides/slide61.xml><?xml version="1.0" encoding="utf-8"?>
+<p:sld xmlns:a="http://schemas.openxmlformats.org/drawingml/2006/main" xmlns:r="http://schemas.openxmlformats.org/officeDocument/2006/relationships" xmlns:mc="http://schemas.openxmlformats.org/markup-compatibility/2006" xmlns:mv="urn:schemas-microsoft-com:mac:vml" xmlns:p="http://schemas.openxmlformats.org/presentationml/2006/main" xmlns:c="http://schemas.openxmlformats.org/drawingml/2006/chart" xmlns:dgm="http://schemas.openxmlformats.org/drawingml/2006/diagram" xmlns:o="urn:schemas-microsoft-com:office:office" xmlns:v="urn:schemas-microsoft-com:vml" xmlns:pvml="urn:schemas-microsoft-com:office:powerpoint" xmlns:com="http://schemas.openxmlformats.org/drawingml/2006/compatibility" xmlns:p14="http://schemas.microsoft.com/office/powerpoint/2010/main" xmlns:p15="http://schemas.microsoft.com/office/powerpoint/2012/main" xmlns:ahyp="http://schemas.microsoft.com/office/drawing/2018/hyperlinkcolor">
+  <p:cSld>
+    <p:spTree>
+      <p:nvGrpSpPr>
+        <p:cNvPr id="497" name="Shape 497"/>
+        <p:cNvGrpSpPr/>
+        <p:nvPr/>
+      </p:nvGrpSpPr>
+      <p:grpSpPr>
+        <a:xfrm>
+          <a:off x="0" y="0"/>
+          <a:ext cx="0" cy="0"/>
+          <a:chOff x="0" y="0"/>
+          <a:chExt cx="0" cy="0"/>
+        </a:xfrm>
+      </p:grpSpPr>
+      <p:sp>
+        <p:nvSpPr>
+          <p:cNvPr id="498" name="Google Shape;498;g2ea6b6f92b1_0_32"/>
+          <p:cNvSpPr txBox="1"/>
+          <p:nvPr/>
+        </p:nvSpPr>
+        <p:spPr>
+          <a:xfrm>
+            <a:off x="360000" y="225720"/>
+            <a:ext cx="9360000" cy="720000"/>
+          </a:xfrm>
+          <a:prstGeom prst="rect">
+            <a:avLst/>
+          </a:prstGeom>
+          <a:noFill/>
+          <a:ln>
+            <a:noFill/>
+          </a:ln>
+        </p:spPr>
+        <p:txBody>
+          <a:bodyPr anchorCtr="0" anchor="ctr" bIns="0" lIns="0" spcFirstLastPara="1" rIns="0" wrap="square" tIns="0">
+            <a:noAutofit/>
+          </a:bodyPr>
+          <a:lstStyle/>
+          <a:p>
+            <a:pPr indent="0" lvl="0" marL="0" marR="0" rtl="0" algn="l">
+              <a:lnSpc>
+                <a:spcPct val="100000"/>
+              </a:lnSpc>
+              <a:spcBef>
+                <a:spcPts val="0"/>
+              </a:spcBef>
+              <a:spcAft>
+                <a:spcPts val="0"/>
+              </a:spcAft>
+              <a:buClr>
+                <a:srgbClr val="000000"/>
+              </a:buClr>
+              <a:buSzPts val="2700"/>
+              <a:buFont typeface="Arial"/>
+              <a:buNone/>
+            </a:pPr>
+            <a:r>
+              <a:rPr b="1" lang="pt-BR" sz="2700">
+                <a:solidFill>
+                  <a:srgbClr val="FFFFFF"/>
+                </a:solidFill>
+              </a:rPr>
+              <a:t>Visualizações</a:t>
+            </a:r>
+            <a:endParaRPr b="1" i="0" sz="2700" u="none" cap="none" strike="noStrike">
+              <a:solidFill>
+                <a:srgbClr val="FFFFFF"/>
+              </a:solidFill>
+              <a:latin typeface="Arial"/>
+              <a:ea typeface="Arial"/>
+              <a:cs typeface="Arial"/>
+              <a:sym typeface="Arial"/>
+            </a:endParaRPr>
+          </a:p>
+        </p:txBody>
+      </p:sp>
+      <p:sp>
+        <p:nvSpPr>
+          <p:cNvPr id="499" name="Google Shape;499;g2ea6b6f92b1_0_32"/>
+          <p:cNvSpPr txBox="1"/>
+          <p:nvPr/>
+        </p:nvSpPr>
+        <p:spPr>
+          <a:xfrm>
+            <a:off x="360000" y="1485000"/>
+            <a:ext cx="9360000" cy="3780000"/>
+          </a:xfrm>
+          <a:prstGeom prst="rect">
+            <a:avLst/>
+          </a:prstGeom>
+          <a:noFill/>
+          <a:ln>
+            <a:noFill/>
+          </a:ln>
+        </p:spPr>
+        <p:txBody>
+          <a:bodyPr anchorCtr="0" anchor="t" bIns="0" lIns="0" spcFirstLastPara="1" rIns="0" wrap="square" tIns="0">
+            <a:normAutofit/>
+          </a:bodyPr>
+          <a:lstStyle/>
+          <a:p>
+            <a:pPr indent="-1281600" lvl="0" marL="1371600" marR="0" rtl="0" algn="l">
+              <a:lnSpc>
+                <a:spcPct val="100000"/>
+              </a:lnSpc>
+              <a:spcBef>
+                <a:spcPts val="0"/>
+              </a:spcBef>
+              <a:spcAft>
+                <a:spcPts val="0"/>
+              </a:spcAft>
+              <a:buNone/>
+            </a:pPr>
+            <a:r>
+              <a:t/>
+            </a:r>
+            <a:endParaRPr sz="2400">
+              <a:solidFill>
+                <a:srgbClr val="2C3E50"/>
+              </a:solidFill>
+            </a:endParaRPr>
+          </a:p>
+          <a:p>
+            <a:pPr indent="-1281600" lvl="0" marL="1371600" marR="0" rtl="0" algn="l">
+              <a:lnSpc>
+                <a:spcPct val="100000"/>
+              </a:lnSpc>
+              <a:spcBef>
+                <a:spcPts val="0"/>
+              </a:spcBef>
+              <a:spcAft>
+                <a:spcPts val="0"/>
+              </a:spcAft>
+              <a:buNone/>
+            </a:pPr>
+            <a:r>
+              <a:t/>
+            </a:r>
+            <a:endParaRPr sz="2400">
+              <a:solidFill>
+                <a:srgbClr val="2C3E50"/>
+              </a:solidFill>
+            </a:endParaRPr>
+          </a:p>
+          <a:p>
+            <a:pPr indent="-1281600" lvl="0" marL="1371600" marR="0" rtl="0" algn="l">
+              <a:lnSpc>
+                <a:spcPct val="100000"/>
+              </a:lnSpc>
+              <a:spcBef>
+                <a:spcPts val="0"/>
+              </a:spcBef>
+              <a:spcAft>
+                <a:spcPts val="0"/>
+              </a:spcAft>
+              <a:buNone/>
+            </a:pPr>
+            <a:r>
+              <a:t/>
+            </a:r>
+            <a:endParaRPr sz="2400">
+              <a:solidFill>
+                <a:srgbClr val="2C3E50"/>
+              </a:solidFill>
+            </a:endParaRPr>
+          </a:p>
+          <a:p>
+            <a:pPr indent="-1281600" lvl="0" marL="1371600" marR="0" rtl="0" algn="l">
+              <a:lnSpc>
+                <a:spcPct val="100000"/>
+              </a:lnSpc>
+              <a:spcBef>
+                <a:spcPts val="0"/>
+              </a:spcBef>
+              <a:spcAft>
+                <a:spcPts val="0"/>
+              </a:spcAft>
+              <a:buNone/>
+            </a:pPr>
+            <a:r>
+              <a:t/>
+            </a:r>
+            <a:endParaRPr sz="2400">
+              <a:solidFill>
+                <a:srgbClr val="2C3E50"/>
+              </a:solidFill>
+            </a:endParaRPr>
+          </a:p>
+          <a:p>
+            <a:pPr indent="-1281600" lvl="0" marL="1371600" marR="0" rtl="0" algn="l">
+              <a:lnSpc>
+                <a:spcPct val="100000"/>
+              </a:lnSpc>
+              <a:spcBef>
+                <a:spcPts val="0"/>
+              </a:spcBef>
+              <a:spcAft>
+                <a:spcPts val="0"/>
+              </a:spcAft>
+              <a:buNone/>
+            </a:pPr>
+            <a:r>
+              <a:t/>
+            </a:r>
+            <a:endParaRPr sz="2400">
+              <a:solidFill>
+                <a:srgbClr val="2C3E50"/>
+              </a:solidFill>
+            </a:endParaRPr>
+          </a:p>
+          <a:p>
+            <a:pPr indent="-1281600" lvl="0" marL="1371600" marR="0" rtl="0" algn="l">
+              <a:lnSpc>
+                <a:spcPct val="100000"/>
+              </a:lnSpc>
+              <a:spcBef>
+                <a:spcPts val="0"/>
+              </a:spcBef>
+              <a:spcAft>
+                <a:spcPts val="0"/>
+              </a:spcAft>
+              <a:buNone/>
+            </a:pPr>
+            <a:r>
+              <a:t/>
+            </a:r>
+            <a:endParaRPr sz="2000">
+              <a:solidFill>
+                <a:srgbClr val="2C3E50"/>
+              </a:solidFill>
+            </a:endParaRPr>
+          </a:p>
+          <a:p>
+            <a:pPr indent="-1281600" lvl="0" marL="1371600" marR="0" rtl="0" algn="l">
+              <a:lnSpc>
+                <a:spcPct val="100000"/>
+              </a:lnSpc>
+              <a:spcBef>
+                <a:spcPts val="0"/>
+              </a:spcBef>
+              <a:spcAft>
+                <a:spcPts val="0"/>
+              </a:spcAft>
+              <a:buNone/>
+            </a:pPr>
+            <a:r>
+              <a:t/>
+            </a:r>
+            <a:endParaRPr sz="2000">
+              <a:solidFill>
+                <a:srgbClr val="2C3E50"/>
+              </a:solidFill>
+            </a:endParaRPr>
+          </a:p>
+          <a:p>
+            <a:pPr indent="-1281600" lvl="0" marL="1371600" marR="0" rtl="0" algn="l">
+              <a:lnSpc>
+                <a:spcPct val="100000"/>
+              </a:lnSpc>
+              <a:spcBef>
+                <a:spcPts val="0"/>
+              </a:spcBef>
+              <a:spcAft>
+                <a:spcPts val="0"/>
+              </a:spcAft>
+              <a:buNone/>
+            </a:pPr>
+            <a:r>
+              <a:t/>
+            </a:r>
+            <a:endParaRPr sz="1700">
+              <a:solidFill>
+                <a:srgbClr val="2C3E50"/>
+              </a:solidFill>
+            </a:endParaRPr>
+          </a:p>
+          <a:p>
+            <a:pPr indent="-1281600" lvl="0" marL="1371600" marR="0" rtl="0" algn="l">
+              <a:lnSpc>
+                <a:spcPct val="100000"/>
+              </a:lnSpc>
+              <a:spcBef>
+                <a:spcPts val="0"/>
+              </a:spcBef>
+              <a:spcAft>
+                <a:spcPts val="0"/>
+              </a:spcAft>
+              <a:buNone/>
+            </a:pPr>
+            <a:r>
+              <a:t/>
+            </a:r>
+            <a:endParaRPr sz="1700">
+              <a:solidFill>
+                <a:srgbClr val="2C3E50"/>
+              </a:solidFill>
+            </a:endParaRPr>
+          </a:p>
+          <a:p>
+            <a:pPr indent="-1281600" lvl="0" marL="1371600" marR="0" rtl="0" algn="l">
+              <a:lnSpc>
+                <a:spcPct val="100000"/>
+              </a:lnSpc>
+              <a:spcBef>
+                <a:spcPts val="0"/>
+              </a:spcBef>
+              <a:spcAft>
+                <a:spcPts val="0"/>
+              </a:spcAft>
+              <a:buNone/>
+            </a:pPr>
+            <a:r>
+              <a:rPr lang="pt-BR" sz="1700">
+                <a:solidFill>
+                  <a:srgbClr val="2C3E50"/>
+                </a:solidFill>
+              </a:rPr>
+              <a:t>https://ide.emplasa.sp.gov.br/geoserver/ows?service=WMS&amp;version=1.1.0&amp;request=GetFeature&amp;typeName=emplasa:LIMITES_EMPLASA_DISTRITO_UIT_MSP&amp;styles=&amp;tiled=true&amp;srsName=EPSG:4326&amp;format=application/geojson&amp;transparent=true</a:t>
+            </a:r>
+            <a:endParaRPr sz="1700">
+              <a:solidFill>
+                <a:srgbClr val="2C3E50"/>
+              </a:solidFill>
+            </a:endParaRPr>
+          </a:p>
+        </p:txBody>
+      </p:sp>
+      <p:pic>
+        <p:nvPicPr>
+          <p:cNvPr id="500" name="Google Shape;500;g2ea6b6f92b1_0_32"/>
+          <p:cNvPicPr preferRelativeResize="0"/>
+          <p:nvPr/>
+        </p:nvPicPr>
+        <p:blipFill>
+          <a:blip r:embed="rId3">
+            <a:alphaModFix/>
+          </a:blip>
+          <a:stretch>
+            <a:fillRect/>
+          </a:stretch>
+        </p:blipFill>
+        <p:spPr>
+          <a:xfrm>
+            <a:off x="540875" y="1292525"/>
+            <a:ext cx="8639175" cy="2876550"/>
+          </a:xfrm>
+          <a:prstGeom prst="rect">
+            <a:avLst/>
+          </a:prstGeom>
+          <a:noFill/>
+          <a:ln>
+            <a:noFill/>
+          </a:ln>
+        </p:spPr>
+      </p:pic>
+    </p:spTree>
+  </p:cSld>
+  <p:clrMapOvr>
+    <a:masterClrMapping/>
+  </p:clrMapOvr>
+</p:sld>
+</file>
+
+<file path=ppt/slides/slide62.xml><?xml version="1.0" encoding="utf-8"?>
+<p:sld xmlns:a="http://schemas.openxmlformats.org/drawingml/2006/main" xmlns:r="http://schemas.openxmlformats.org/officeDocument/2006/relationships" xmlns:mc="http://schemas.openxmlformats.org/markup-compatibility/2006" xmlns:mv="urn:schemas-microsoft-com:mac:vml" xmlns:p="http://schemas.openxmlformats.org/presentationml/2006/main" xmlns:c="http://schemas.openxmlformats.org/drawingml/2006/chart" xmlns:dgm="http://schemas.openxmlformats.org/drawingml/2006/diagram" xmlns:o="urn:schemas-microsoft-com:office:office" xmlns:v="urn:schemas-microsoft-com:vml" xmlns:pvml="urn:schemas-microsoft-com:office:powerpoint" xmlns:com="http://schemas.openxmlformats.org/drawingml/2006/compatibility" xmlns:p14="http://schemas.microsoft.com/office/powerpoint/2010/main" xmlns:p15="http://schemas.microsoft.com/office/powerpoint/2012/main" xmlns:ahyp="http://schemas.microsoft.com/office/drawing/2018/hyperlinkcolor">
+  <p:cSld>
+    <p:spTree>
+      <p:nvGrpSpPr>
+        <p:cNvPr id="504" name="Shape 504"/>
+        <p:cNvGrpSpPr/>
+        <p:nvPr/>
+      </p:nvGrpSpPr>
+      <p:grpSpPr>
+        <a:xfrm>
+          <a:off x="0" y="0"/>
+          <a:ext cx="0" cy="0"/>
+          <a:chOff x="0" y="0"/>
+          <a:chExt cx="0" cy="0"/>
+        </a:xfrm>
+      </p:grpSpPr>
+      <p:sp>
+        <p:nvSpPr>
+          <p:cNvPr id="505" name="Google Shape;505;g2ea6b6f92b1_0_38"/>
+          <p:cNvSpPr txBox="1"/>
+          <p:nvPr/>
+        </p:nvSpPr>
+        <p:spPr>
+          <a:xfrm>
+            <a:off x="360000" y="225720"/>
+            <a:ext cx="9360000" cy="720000"/>
+          </a:xfrm>
+          <a:prstGeom prst="rect">
+            <a:avLst/>
+          </a:prstGeom>
+          <a:noFill/>
+          <a:ln>
+            <a:noFill/>
+          </a:ln>
+        </p:spPr>
+        <p:txBody>
+          <a:bodyPr anchorCtr="0" anchor="ctr" bIns="0" lIns="0" spcFirstLastPara="1" rIns="0" wrap="square" tIns="0">
+            <a:noAutofit/>
+          </a:bodyPr>
+          <a:lstStyle/>
+          <a:p>
+            <a:pPr indent="0" lvl="0" marL="0" marR="0" rtl="0" algn="l">
+              <a:lnSpc>
+                <a:spcPct val="100000"/>
+              </a:lnSpc>
+              <a:spcBef>
+                <a:spcPts val="0"/>
+              </a:spcBef>
+              <a:spcAft>
+                <a:spcPts val="0"/>
+              </a:spcAft>
+              <a:buClr>
+                <a:srgbClr val="000000"/>
+              </a:buClr>
+              <a:buSzPts val="2700"/>
+              <a:buFont typeface="Arial"/>
+              <a:buNone/>
+            </a:pPr>
+            <a:r>
+              <a:rPr b="1" lang="pt-BR" sz="2700">
+                <a:solidFill>
+                  <a:srgbClr val="FFFFFF"/>
+                </a:solidFill>
+              </a:rPr>
+              <a:t>Visualizações</a:t>
+            </a:r>
+            <a:endParaRPr b="1" i="0" sz="2700" u="none" cap="none" strike="noStrike">
+              <a:solidFill>
+                <a:srgbClr val="FFFFFF"/>
+              </a:solidFill>
+              <a:latin typeface="Arial"/>
+              <a:ea typeface="Arial"/>
+              <a:cs typeface="Arial"/>
+              <a:sym typeface="Arial"/>
+            </a:endParaRPr>
+          </a:p>
+        </p:txBody>
+      </p:sp>
+      <p:sp>
+        <p:nvSpPr>
+          <p:cNvPr id="506" name="Google Shape;506;g2ea6b6f92b1_0_38"/>
+          <p:cNvSpPr txBox="1"/>
+          <p:nvPr/>
+        </p:nvSpPr>
+        <p:spPr>
+          <a:xfrm>
+            <a:off x="360000" y="1485000"/>
+            <a:ext cx="9360000" cy="3780000"/>
+          </a:xfrm>
+          <a:prstGeom prst="rect">
+            <a:avLst/>
+          </a:prstGeom>
+          <a:noFill/>
+          <a:ln>
+            <a:noFill/>
+          </a:ln>
+        </p:spPr>
+        <p:txBody>
+          <a:bodyPr anchorCtr="0" anchor="t" bIns="0" lIns="0" spcFirstLastPara="1" rIns="0" wrap="square" tIns="0">
+            <a:normAutofit/>
+          </a:bodyPr>
+          <a:lstStyle/>
+          <a:p>
+            <a:pPr indent="0" lvl="0" marL="1371600" marR="0" rtl="0" algn="l">
+              <a:lnSpc>
+                <a:spcPct val="100000"/>
+              </a:lnSpc>
+              <a:spcBef>
+                <a:spcPts val="0"/>
+              </a:spcBef>
+              <a:spcAft>
+                <a:spcPts val="0"/>
+              </a:spcAft>
+              <a:buNone/>
+            </a:pPr>
+            <a:r>
+              <a:t/>
+            </a:r>
+            <a:endParaRPr sz="2400">
+              <a:solidFill>
+                <a:srgbClr val="2C3E50"/>
+              </a:solidFill>
+            </a:endParaRPr>
+          </a:p>
+        </p:txBody>
+      </p:sp>
+      <p:pic>
+        <p:nvPicPr>
+          <p:cNvPr id="507" name="Google Shape;507;g2ea6b6f92b1_0_38"/>
+          <p:cNvPicPr preferRelativeResize="0"/>
+          <p:nvPr/>
+        </p:nvPicPr>
+        <p:blipFill>
+          <a:blip r:embed="rId3">
+            <a:alphaModFix/>
+          </a:blip>
+          <a:stretch>
+            <a:fillRect/>
+          </a:stretch>
+        </p:blipFill>
+        <p:spPr>
+          <a:xfrm>
+            <a:off x="1618275" y="1247850"/>
+            <a:ext cx="5894226" cy="4152325"/>
+          </a:xfrm>
+          <a:prstGeom prst="rect">
+            <a:avLst/>
+          </a:prstGeom>
+          <a:noFill/>
+          <a:ln>
+            <a:noFill/>
+          </a:ln>
+        </p:spPr>
+      </p:pic>
+    </p:spTree>
+  </p:cSld>
+  <p:clrMapOvr>
+    <a:masterClrMapping/>
+  </p:clrMapOvr>
+</p:sld>
+</file>
+
+<file path=ppt/slides/slide63.xml><?xml version="1.0" encoding="utf-8"?>
+<p:sld xmlns:a="http://schemas.openxmlformats.org/drawingml/2006/main" xmlns:r="http://schemas.openxmlformats.org/officeDocument/2006/relationships" xmlns:mc="http://schemas.openxmlformats.org/markup-compatibility/2006" xmlns:mv="urn:schemas-microsoft-com:mac:vml" xmlns:p="http://schemas.openxmlformats.org/presentationml/2006/main" xmlns:c="http://schemas.openxmlformats.org/drawingml/2006/chart" xmlns:dgm="http://schemas.openxmlformats.org/drawingml/2006/diagram" xmlns:o="urn:schemas-microsoft-com:office:office" xmlns:v="urn:schemas-microsoft-com:vml" xmlns:pvml="urn:schemas-microsoft-com:office:powerpoint" xmlns:com="http://schemas.openxmlformats.org/drawingml/2006/compatibility" xmlns:p14="http://schemas.microsoft.com/office/powerpoint/2010/main" xmlns:p15="http://schemas.microsoft.com/office/powerpoint/2012/main" xmlns:ahyp="http://schemas.microsoft.com/office/drawing/2018/hyperlinkcolor">
+  <p:cSld>
+    <p:spTree>
+      <p:nvGrpSpPr>
+        <p:cNvPr id="511" name="Shape 511"/>
+        <p:cNvGrpSpPr/>
+        <p:nvPr/>
+      </p:nvGrpSpPr>
+      <p:grpSpPr>
+        <a:xfrm>
+          <a:off x="0" y="0"/>
+          <a:ext cx="0" cy="0"/>
+          <a:chOff x="0" y="0"/>
+          <a:chExt cx="0" cy="0"/>
+        </a:xfrm>
+      </p:grpSpPr>
+      <p:sp>
+        <p:nvSpPr>
+          <p:cNvPr id="512" name="Google Shape;512;g2ea6b6f92b1_0_45"/>
+          <p:cNvSpPr txBox="1"/>
+          <p:nvPr/>
+        </p:nvSpPr>
+        <p:spPr>
+          <a:xfrm>
+            <a:off x="360000" y="225720"/>
+            <a:ext cx="9360000" cy="720000"/>
+          </a:xfrm>
+          <a:prstGeom prst="rect">
+            <a:avLst/>
+          </a:prstGeom>
+          <a:noFill/>
+          <a:ln>
+            <a:noFill/>
+          </a:ln>
+        </p:spPr>
+        <p:txBody>
+          <a:bodyPr anchorCtr="0" anchor="ctr" bIns="0" lIns="0" spcFirstLastPara="1" rIns="0" wrap="square" tIns="0">
+            <a:noAutofit/>
+          </a:bodyPr>
+          <a:lstStyle/>
+          <a:p>
+            <a:pPr indent="0" lvl="0" marL="0" marR="0" rtl="0" algn="l">
+              <a:lnSpc>
+                <a:spcPct val="100000"/>
+              </a:lnSpc>
+              <a:spcBef>
+                <a:spcPts val="0"/>
+              </a:spcBef>
+              <a:spcAft>
+                <a:spcPts val="0"/>
+              </a:spcAft>
+              <a:buClr>
+                <a:srgbClr val="000000"/>
+              </a:buClr>
+              <a:buSzPts val="2700"/>
+              <a:buFont typeface="Arial"/>
+              <a:buNone/>
+            </a:pPr>
+            <a:r>
+              <a:rPr b="1" lang="pt-BR" sz="2700">
+                <a:solidFill>
+                  <a:srgbClr val="FFFFFF"/>
+                </a:solidFill>
+              </a:rPr>
+              <a:t>Visualizações</a:t>
+            </a:r>
+            <a:endParaRPr b="1" i="0" sz="2700" u="none" cap="none" strike="noStrike">
+              <a:solidFill>
+                <a:srgbClr val="FFFFFF"/>
+              </a:solidFill>
+              <a:latin typeface="Arial"/>
+              <a:ea typeface="Arial"/>
+              <a:cs typeface="Arial"/>
+              <a:sym typeface="Arial"/>
+            </a:endParaRPr>
+          </a:p>
+        </p:txBody>
+      </p:sp>
+      <p:sp>
+        <p:nvSpPr>
+          <p:cNvPr id="513" name="Google Shape;513;g2ea6b6f92b1_0_45"/>
+          <p:cNvSpPr txBox="1"/>
+          <p:nvPr/>
+        </p:nvSpPr>
+        <p:spPr>
+          <a:xfrm>
+            <a:off x="360000" y="1485000"/>
+            <a:ext cx="9360000" cy="3780000"/>
+          </a:xfrm>
+          <a:prstGeom prst="rect">
+            <a:avLst/>
+          </a:prstGeom>
+          <a:noFill/>
+          <a:ln>
+            <a:noFill/>
+          </a:ln>
+        </p:spPr>
+        <p:txBody>
+          <a:bodyPr anchorCtr="0" anchor="t" bIns="0" lIns="0" spcFirstLastPara="1" rIns="0" wrap="square" tIns="0">
+            <a:normAutofit/>
+          </a:bodyPr>
+          <a:lstStyle/>
+          <a:p>
+            <a:pPr indent="0" lvl="0" marL="1371600" marR="0" rtl="0" algn="l">
+              <a:lnSpc>
+                <a:spcPct val="100000"/>
+              </a:lnSpc>
+              <a:spcBef>
+                <a:spcPts val="0"/>
+              </a:spcBef>
+              <a:spcAft>
+                <a:spcPts val="0"/>
+              </a:spcAft>
+              <a:buNone/>
+            </a:pPr>
+            <a:r>
+              <a:t/>
+            </a:r>
+            <a:endParaRPr sz="2400">
+              <a:solidFill>
+                <a:srgbClr val="2C3E50"/>
+              </a:solidFill>
+            </a:endParaRPr>
+          </a:p>
+        </p:txBody>
+      </p:sp>
+      <p:pic>
+        <p:nvPicPr>
+          <p:cNvPr id="514" name="Google Shape;514;g2ea6b6f92b1_0_45"/>
+          <p:cNvPicPr preferRelativeResize="0"/>
+          <p:nvPr/>
+        </p:nvPicPr>
+        <p:blipFill>
+          <a:blip r:embed="rId3">
+            <a:alphaModFix/>
+          </a:blip>
+          <a:stretch>
+            <a:fillRect/>
+          </a:stretch>
+        </p:blipFill>
+        <p:spPr>
+          <a:xfrm>
+            <a:off x="68263" y="1539875"/>
+            <a:ext cx="9944100" cy="2590800"/>
+          </a:xfrm>
+          <a:prstGeom prst="rect">
+            <a:avLst/>
+          </a:prstGeom>
+          <a:noFill/>
+          <a:ln>
+            <a:noFill/>
+          </a:ln>
+        </p:spPr>
+      </p:pic>
+    </p:spTree>
+  </p:cSld>
+  <p:clrMapOvr>
+    <a:masterClrMapping/>
+  </p:clrMapOvr>
+</p:sld>
+</file>
+
+<file path=ppt/slides/slide64.xml><?xml version="1.0" encoding="utf-8"?>
+<p:sld xmlns:a="http://schemas.openxmlformats.org/drawingml/2006/main" xmlns:r="http://schemas.openxmlformats.org/officeDocument/2006/relationships" xmlns:mc="http://schemas.openxmlformats.org/markup-compatibility/2006" xmlns:mv="urn:schemas-microsoft-com:mac:vml" xmlns:p="http://schemas.openxmlformats.org/presentationml/2006/main" xmlns:c="http://schemas.openxmlformats.org/drawingml/2006/chart" xmlns:dgm="http://schemas.openxmlformats.org/drawingml/2006/diagram" xmlns:o="urn:schemas-microsoft-com:office:office" xmlns:v="urn:schemas-microsoft-com:vml" xmlns:pvml="urn:schemas-microsoft-com:office:powerpoint" xmlns:com="http://schemas.openxmlformats.org/drawingml/2006/compatibility" xmlns:p14="http://schemas.microsoft.com/office/powerpoint/2010/main" xmlns:p15="http://schemas.microsoft.com/office/powerpoint/2012/main" xmlns:ahyp="http://schemas.microsoft.com/office/drawing/2018/hyperlinkcolor">
+  <p:cSld>
+    <p:spTree>
+      <p:nvGrpSpPr>
+        <p:cNvPr id="518" name="Shape 518"/>
+        <p:cNvGrpSpPr/>
+        <p:nvPr/>
+      </p:nvGrpSpPr>
+      <p:grpSpPr>
+        <a:xfrm>
+          <a:off x="0" y="0"/>
+          <a:ext cx="0" cy="0"/>
+          <a:chOff x="0" y="0"/>
+          <a:chExt cx="0" cy="0"/>
+        </a:xfrm>
+      </p:grpSpPr>
+      <p:sp>
+        <p:nvSpPr>
+          <p:cNvPr id="519" name="Google Shape;519;g2ea6b6f92b1_0_56"/>
+          <p:cNvSpPr txBox="1"/>
+          <p:nvPr/>
+        </p:nvSpPr>
+        <p:spPr>
+          <a:xfrm>
+            <a:off x="360000" y="225720"/>
+            <a:ext cx="9360000" cy="720000"/>
+          </a:xfrm>
+          <a:prstGeom prst="rect">
+            <a:avLst/>
+          </a:prstGeom>
+          <a:noFill/>
+          <a:ln>
+            <a:noFill/>
+          </a:ln>
+        </p:spPr>
+        <p:txBody>
+          <a:bodyPr anchorCtr="0" anchor="ctr" bIns="0" lIns="0" spcFirstLastPara="1" rIns="0" wrap="square" tIns="0">
+            <a:noAutofit/>
+          </a:bodyPr>
+          <a:lstStyle/>
+          <a:p>
+            <a:pPr indent="0" lvl="0" marL="0" marR="0" rtl="0" algn="l">
+              <a:lnSpc>
+                <a:spcPct val="100000"/>
+              </a:lnSpc>
+              <a:spcBef>
+                <a:spcPts val="0"/>
+              </a:spcBef>
+              <a:spcAft>
+                <a:spcPts val="0"/>
+              </a:spcAft>
+              <a:buClr>
+                <a:srgbClr val="000000"/>
+              </a:buClr>
+              <a:buSzPts val="2700"/>
+              <a:buFont typeface="Arial"/>
+              <a:buNone/>
+            </a:pPr>
+            <a:r>
+              <a:rPr b="1" lang="pt-BR" sz="2700">
+                <a:solidFill>
+                  <a:srgbClr val="FFFFFF"/>
+                </a:solidFill>
+              </a:rPr>
+              <a:t>Visualizações</a:t>
+            </a:r>
+            <a:endParaRPr b="1" i="0" sz="2700" u="none" cap="none" strike="noStrike">
+              <a:solidFill>
+                <a:srgbClr val="FFFFFF"/>
+              </a:solidFill>
+              <a:latin typeface="Arial"/>
+              <a:ea typeface="Arial"/>
+              <a:cs typeface="Arial"/>
+              <a:sym typeface="Arial"/>
+            </a:endParaRPr>
+          </a:p>
+        </p:txBody>
+      </p:sp>
+      <p:sp>
+        <p:nvSpPr>
+          <p:cNvPr id="520" name="Google Shape;520;g2ea6b6f92b1_0_56"/>
+          <p:cNvSpPr txBox="1"/>
+          <p:nvPr/>
+        </p:nvSpPr>
+        <p:spPr>
+          <a:xfrm>
+            <a:off x="360000" y="1485000"/>
+            <a:ext cx="9360000" cy="3780000"/>
+          </a:xfrm>
+          <a:prstGeom prst="rect">
+            <a:avLst/>
+          </a:prstGeom>
+          <a:noFill/>
+          <a:ln>
+            <a:noFill/>
+          </a:ln>
+        </p:spPr>
+        <p:txBody>
+          <a:bodyPr anchorCtr="0" anchor="t" bIns="0" lIns="0" spcFirstLastPara="1" rIns="0" wrap="square" tIns="0">
+            <a:normAutofit/>
+          </a:bodyPr>
+          <a:lstStyle/>
+          <a:p>
+            <a:pPr indent="0" lvl="0" marL="1371600" marR="0" rtl="0" algn="l">
+              <a:lnSpc>
+                <a:spcPct val="100000"/>
+              </a:lnSpc>
+              <a:spcBef>
+                <a:spcPts val="0"/>
+              </a:spcBef>
+              <a:spcAft>
+                <a:spcPts val="0"/>
+              </a:spcAft>
+              <a:buNone/>
+            </a:pPr>
+            <a:r>
+              <a:t/>
+            </a:r>
+            <a:endParaRPr sz="2400">
+              <a:solidFill>
+                <a:srgbClr val="2C3E50"/>
+              </a:solidFill>
+            </a:endParaRPr>
+          </a:p>
+        </p:txBody>
+      </p:sp>
+      <p:pic>
+        <p:nvPicPr>
+          <p:cNvPr id="521" name="Google Shape;521;g2ea6b6f92b1_0_56"/>
+          <p:cNvPicPr preferRelativeResize="0"/>
+          <p:nvPr/>
+        </p:nvPicPr>
+        <p:blipFill>
+          <a:blip r:embed="rId3">
+            <a:alphaModFix/>
+          </a:blip>
+          <a:stretch>
+            <a:fillRect/>
+          </a:stretch>
+        </p:blipFill>
+        <p:spPr>
+          <a:xfrm>
+            <a:off x="1555250" y="1383700"/>
+            <a:ext cx="6933576" cy="3887225"/>
+          </a:xfrm>
+          <a:prstGeom prst="rect">
+            <a:avLst/>
+          </a:prstGeom>
+          <a:noFill/>
+          <a:ln>
+            <a:noFill/>
+          </a:ln>
+        </p:spPr>
+      </p:pic>
+    </p:spTree>
+  </p:cSld>
+  <p:clrMapOvr>
+    <a:masterClrMapping/>
+  </p:clrMapOvr>
+</p:sld>
+</file>
+
+<file path=ppt/slides/slide65.xml><?xml version="1.0" encoding="utf-8"?>
+<p:sld xmlns:a="http://schemas.openxmlformats.org/drawingml/2006/main" xmlns:r="http://schemas.openxmlformats.org/officeDocument/2006/relationships" xmlns:mc="http://schemas.openxmlformats.org/markup-compatibility/2006" xmlns:mv="urn:schemas-microsoft-com:mac:vml" xmlns:p="http://schemas.openxmlformats.org/presentationml/2006/main" xmlns:c="http://schemas.openxmlformats.org/drawingml/2006/chart" xmlns:dgm="http://schemas.openxmlformats.org/drawingml/2006/diagram" xmlns:o="urn:schemas-microsoft-com:office:office" xmlns:v="urn:schemas-microsoft-com:vml" xmlns:pvml="urn:schemas-microsoft-com:office:powerpoint" xmlns:com="http://schemas.openxmlformats.org/drawingml/2006/compatibility" xmlns:p14="http://schemas.microsoft.com/office/powerpoint/2010/main" xmlns:p15="http://schemas.microsoft.com/office/powerpoint/2012/main" xmlns:ahyp="http://schemas.microsoft.com/office/drawing/2018/hyperlinkcolor">
+  <p:cSld>
+    <p:spTree>
+      <p:nvGrpSpPr>
+        <p:cNvPr id="525" name="Shape 525"/>
+        <p:cNvGrpSpPr/>
+        <p:nvPr/>
+      </p:nvGrpSpPr>
+      <p:grpSpPr>
+        <a:xfrm>
+          <a:off x="0" y="0"/>
+          <a:ext cx="0" cy="0"/>
+          <a:chOff x="0" y="0"/>
+          <a:chExt cx="0" cy="0"/>
+        </a:xfrm>
+      </p:grpSpPr>
+      <p:sp>
+        <p:nvSpPr>
+          <p:cNvPr id="526" name="Google Shape;526;g2ea6b6f92b1_0_61"/>
+          <p:cNvSpPr txBox="1"/>
+          <p:nvPr/>
+        </p:nvSpPr>
+        <p:spPr>
+          <a:xfrm>
+            <a:off x="360000" y="225720"/>
+            <a:ext cx="9360000" cy="720000"/>
+          </a:xfrm>
+          <a:prstGeom prst="rect">
+            <a:avLst/>
+          </a:prstGeom>
+          <a:noFill/>
+          <a:ln>
+            <a:noFill/>
+          </a:ln>
+        </p:spPr>
+        <p:txBody>
+          <a:bodyPr anchorCtr="0" anchor="ctr" bIns="0" lIns="0" spcFirstLastPara="1" rIns="0" wrap="square" tIns="0">
+            <a:noAutofit/>
+          </a:bodyPr>
+          <a:lstStyle/>
+          <a:p>
+            <a:pPr indent="0" lvl="0" marL="0" marR="0" rtl="0" algn="l">
+              <a:lnSpc>
+                <a:spcPct val="100000"/>
+              </a:lnSpc>
+              <a:spcBef>
+                <a:spcPts val="0"/>
+              </a:spcBef>
+              <a:spcAft>
+                <a:spcPts val="0"/>
+              </a:spcAft>
+              <a:buClr>
+                <a:srgbClr val="000000"/>
+              </a:buClr>
+              <a:buSzPts val="2700"/>
+              <a:buFont typeface="Arial"/>
+              <a:buNone/>
+            </a:pPr>
+            <a:r>
+              <a:rPr b="1" lang="pt-BR" sz="2700">
+                <a:solidFill>
+                  <a:srgbClr val="FFFFFF"/>
+                </a:solidFill>
+              </a:rPr>
+              <a:t>Visualizações</a:t>
+            </a:r>
+            <a:endParaRPr b="1" i="0" sz="2700" u="none" cap="none" strike="noStrike">
+              <a:solidFill>
+                <a:srgbClr val="FFFFFF"/>
+              </a:solidFill>
+              <a:latin typeface="Arial"/>
+              <a:ea typeface="Arial"/>
+              <a:cs typeface="Arial"/>
+              <a:sym typeface="Arial"/>
+            </a:endParaRPr>
+          </a:p>
+        </p:txBody>
+      </p:sp>
+      <p:sp>
+        <p:nvSpPr>
+          <p:cNvPr id="527" name="Google Shape;527;g2ea6b6f92b1_0_61"/>
+          <p:cNvSpPr txBox="1"/>
+          <p:nvPr/>
+        </p:nvSpPr>
+        <p:spPr>
+          <a:xfrm>
+            <a:off x="360000" y="1485000"/>
+            <a:ext cx="9360000" cy="3780000"/>
+          </a:xfrm>
+          <a:prstGeom prst="rect">
+            <a:avLst/>
+          </a:prstGeom>
+          <a:noFill/>
+          <a:ln>
+            <a:noFill/>
+          </a:ln>
+        </p:spPr>
+        <p:txBody>
+          <a:bodyPr anchorCtr="0" anchor="t" bIns="0" lIns="0" spcFirstLastPara="1" rIns="0" wrap="square" tIns="0">
+            <a:normAutofit/>
+          </a:bodyPr>
+          <a:lstStyle/>
+          <a:p>
+            <a:pPr indent="0" lvl="0" marL="1371600" marR="0" rtl="0" algn="l">
+              <a:lnSpc>
+                <a:spcPct val="100000"/>
+              </a:lnSpc>
+              <a:spcBef>
+                <a:spcPts val="0"/>
+              </a:spcBef>
+              <a:spcAft>
+                <a:spcPts val="0"/>
+              </a:spcAft>
+              <a:buNone/>
+            </a:pPr>
+            <a:r>
+              <a:t/>
+            </a:r>
+            <a:endParaRPr sz="2400">
+              <a:solidFill>
+                <a:srgbClr val="2C3E50"/>
+              </a:solidFill>
+            </a:endParaRPr>
+          </a:p>
+        </p:txBody>
+      </p:sp>
+      <p:pic>
+        <p:nvPicPr>
+          <p:cNvPr id="528" name="Google Shape;528;g2ea6b6f92b1_0_61"/>
+          <p:cNvPicPr preferRelativeResize="0"/>
+          <p:nvPr/>
+        </p:nvPicPr>
+        <p:blipFill>
+          <a:blip r:embed="rId3">
+            <a:alphaModFix/>
+          </a:blip>
+          <a:stretch>
+            <a:fillRect/>
+          </a:stretch>
+        </p:blipFill>
+        <p:spPr>
+          <a:xfrm>
+            <a:off x="2748178" y="1206025"/>
+            <a:ext cx="4583636" cy="4185550"/>
+          </a:xfrm>
+          <a:prstGeom prst="rect">
+            <a:avLst/>
+          </a:prstGeom>
+          <a:noFill/>
+          <a:ln>
+            <a:noFill/>
+          </a:ln>
+        </p:spPr>
+      </p:pic>
+    </p:spTree>
+  </p:cSld>
+  <p:clrMapOvr>
+    <a:masterClrMapping/>
+  </p:clrMapOvr>
+</p:sld>
+</file>
+
+<file path=ppt/slides/slide66.xml><?xml version="1.0" encoding="utf-8"?>
+<p:sld xmlns:a="http://schemas.openxmlformats.org/drawingml/2006/main" xmlns:r="http://schemas.openxmlformats.org/officeDocument/2006/relationships" xmlns:mc="http://schemas.openxmlformats.org/markup-compatibility/2006" xmlns:mv="urn:schemas-microsoft-com:mac:vml" xmlns:p="http://schemas.openxmlformats.org/presentationml/2006/main" xmlns:c="http://schemas.openxmlformats.org/drawingml/2006/chart" xmlns:dgm="http://schemas.openxmlformats.org/drawingml/2006/diagram" xmlns:o="urn:schemas-microsoft-com:office:office" xmlns:v="urn:schemas-microsoft-com:vml" xmlns:pvml="urn:schemas-microsoft-com:office:powerpoint" xmlns:com="http://schemas.openxmlformats.org/drawingml/2006/compatibility" xmlns:p14="http://schemas.microsoft.com/office/powerpoint/2010/main" xmlns:p15="http://schemas.microsoft.com/office/powerpoint/2012/main" xmlns:ahyp="http://schemas.microsoft.com/office/drawing/2018/hyperlinkcolor">
+  <p:cSld>
+    <p:spTree>
+      <p:nvGrpSpPr>
+        <p:cNvPr id="532" name="Shape 532"/>
+        <p:cNvGrpSpPr/>
+        <p:nvPr/>
+      </p:nvGrpSpPr>
+      <p:grpSpPr>
+        <a:xfrm>
+          <a:off x="0" y="0"/>
+          <a:ext cx="0" cy="0"/>
+          <a:chOff x="0" y="0"/>
+          <a:chExt cx="0" cy="0"/>
+        </a:xfrm>
+      </p:grpSpPr>
+      <p:sp>
+        <p:nvSpPr>
+          <p:cNvPr id="533" name="Google Shape;533;g2ea6b6f92b1_0_68"/>
+          <p:cNvSpPr txBox="1"/>
+          <p:nvPr/>
+        </p:nvSpPr>
+        <p:spPr>
+          <a:xfrm>
+            <a:off x="360000" y="225720"/>
+            <a:ext cx="9360000" cy="720000"/>
+          </a:xfrm>
+          <a:prstGeom prst="rect">
+            <a:avLst/>
+          </a:prstGeom>
+          <a:noFill/>
+          <a:ln>
+            <a:noFill/>
+          </a:ln>
+        </p:spPr>
+        <p:txBody>
+          <a:bodyPr anchorCtr="0" anchor="ctr" bIns="0" lIns="0" spcFirstLastPara="1" rIns="0" wrap="square" tIns="0">
+            <a:noAutofit/>
+          </a:bodyPr>
+          <a:lstStyle/>
+          <a:p>
+            <a:pPr indent="0" lvl="0" marL="0" marR="0" rtl="0" algn="l">
+              <a:lnSpc>
+                <a:spcPct val="100000"/>
+              </a:lnSpc>
+              <a:spcBef>
+                <a:spcPts val="0"/>
+              </a:spcBef>
+              <a:spcAft>
+                <a:spcPts val="0"/>
+              </a:spcAft>
+              <a:buClr>
+                <a:srgbClr val="000000"/>
+              </a:buClr>
+              <a:buSzPts val="2700"/>
+              <a:buFont typeface="Arial"/>
+              <a:buNone/>
+            </a:pPr>
+            <a:r>
+              <a:rPr b="1" lang="pt-BR" sz="2700">
+                <a:solidFill>
+                  <a:srgbClr val="FFFFFF"/>
+                </a:solidFill>
+              </a:rPr>
+              <a:t>Visualizações</a:t>
+            </a:r>
+            <a:endParaRPr b="1" i="0" sz="2700" u="none" cap="none" strike="noStrike">
+              <a:solidFill>
+                <a:srgbClr val="FFFFFF"/>
+              </a:solidFill>
+              <a:latin typeface="Arial"/>
+              <a:ea typeface="Arial"/>
+              <a:cs typeface="Arial"/>
+              <a:sym typeface="Arial"/>
+            </a:endParaRPr>
+          </a:p>
+        </p:txBody>
+      </p:sp>
+      <p:sp>
+        <p:nvSpPr>
+          <p:cNvPr id="534" name="Google Shape;534;g2ea6b6f92b1_0_68"/>
+          <p:cNvSpPr txBox="1"/>
+          <p:nvPr/>
+        </p:nvSpPr>
+        <p:spPr>
+          <a:xfrm>
+            <a:off x="360000" y="1485000"/>
+            <a:ext cx="9360000" cy="3780000"/>
+          </a:xfrm>
+          <a:prstGeom prst="rect">
+            <a:avLst/>
+          </a:prstGeom>
+          <a:noFill/>
+          <a:ln>
+            <a:noFill/>
+          </a:ln>
+        </p:spPr>
+        <p:txBody>
+          <a:bodyPr anchorCtr="0" anchor="t" bIns="0" lIns="0" spcFirstLastPara="1" rIns="0" wrap="square" tIns="0">
+            <a:normAutofit/>
+          </a:bodyPr>
+          <a:lstStyle/>
+          <a:p>
+            <a:pPr indent="0" lvl="0" marL="1371600" marR="0" rtl="0" algn="l">
+              <a:lnSpc>
+                <a:spcPct val="100000"/>
+              </a:lnSpc>
+              <a:spcBef>
+                <a:spcPts val="0"/>
+              </a:spcBef>
+              <a:spcAft>
+                <a:spcPts val="0"/>
+              </a:spcAft>
+              <a:buNone/>
+            </a:pPr>
+            <a:r>
+              <a:t/>
+            </a:r>
+            <a:endParaRPr sz="2400">
+              <a:solidFill>
+                <a:srgbClr val="2C3E50"/>
+              </a:solidFill>
+            </a:endParaRPr>
+          </a:p>
+        </p:txBody>
+      </p:sp>
+      <p:pic>
+        <p:nvPicPr>
+          <p:cNvPr id="535" name="Google Shape;535;g2ea6b6f92b1_0_68"/>
+          <p:cNvPicPr preferRelativeResize="0"/>
+          <p:nvPr/>
+        </p:nvPicPr>
+        <p:blipFill>
+          <a:blip r:embed="rId3">
+            <a:alphaModFix/>
+          </a:blip>
+          <a:stretch>
+            <a:fillRect/>
+          </a:stretch>
+        </p:blipFill>
+        <p:spPr>
+          <a:xfrm>
+            <a:off x="68263" y="1582738"/>
+            <a:ext cx="9944100" cy="3114675"/>
+          </a:xfrm>
+          <a:prstGeom prst="rect">
+            <a:avLst/>
+          </a:prstGeom>
+          <a:noFill/>
+          <a:ln>
+            <a:noFill/>
+          </a:ln>
+        </p:spPr>
+      </p:pic>
+    </p:spTree>
+  </p:cSld>
+  <p:clrMapOvr>
+    <a:masterClrMapping/>
+  </p:clrMapOvr>
+</p:sld>
+</file>
+
+<file path=ppt/slides/slide67.xml><?xml version="1.0" encoding="utf-8"?>
+<p:sld xmlns:a="http://schemas.openxmlformats.org/drawingml/2006/main" xmlns:r="http://schemas.openxmlformats.org/officeDocument/2006/relationships" xmlns:mc="http://schemas.openxmlformats.org/markup-compatibility/2006" xmlns:mv="urn:schemas-microsoft-com:mac:vml" xmlns:p="http://schemas.openxmlformats.org/presentationml/2006/main" xmlns:c="http://schemas.openxmlformats.org/drawingml/2006/chart" xmlns:dgm="http://schemas.openxmlformats.org/drawingml/2006/diagram" xmlns:o="urn:schemas-microsoft-com:office:office" xmlns:v="urn:schemas-microsoft-com:vml" xmlns:pvml="urn:schemas-microsoft-com:office:powerpoint" xmlns:com="http://schemas.openxmlformats.org/drawingml/2006/compatibility" xmlns:p14="http://schemas.microsoft.com/office/powerpoint/2010/main" xmlns:p15="http://schemas.microsoft.com/office/powerpoint/2012/main" xmlns:ahyp="http://schemas.microsoft.com/office/drawing/2018/hyperlinkcolor">
+  <p:cSld>
+    <p:spTree>
+      <p:nvGrpSpPr>
+        <p:cNvPr id="539" name="Shape 539"/>
+        <p:cNvGrpSpPr/>
+        <p:nvPr/>
+      </p:nvGrpSpPr>
+      <p:grpSpPr>
+        <a:xfrm>
+          <a:off x="0" y="0"/>
+          <a:ext cx="0" cy="0"/>
+          <a:chOff x="0" y="0"/>
+          <a:chExt cx="0" cy="0"/>
+        </a:xfrm>
+      </p:grpSpPr>
+      <p:sp>
+        <p:nvSpPr>
+          <p:cNvPr id="540" name="Google Shape;540;g2ea6b6f92b1_0_75"/>
+          <p:cNvSpPr txBox="1"/>
+          <p:nvPr/>
+        </p:nvSpPr>
+        <p:spPr>
+          <a:xfrm>
+            <a:off x="360000" y="225720"/>
+            <a:ext cx="9360000" cy="720000"/>
+          </a:xfrm>
+          <a:prstGeom prst="rect">
+            <a:avLst/>
+          </a:prstGeom>
+          <a:noFill/>
+          <a:ln>
+            <a:noFill/>
+          </a:ln>
+        </p:spPr>
+        <p:txBody>
+          <a:bodyPr anchorCtr="0" anchor="ctr" bIns="0" lIns="0" spcFirstLastPara="1" rIns="0" wrap="square" tIns="0">
+            <a:noAutofit/>
+          </a:bodyPr>
+          <a:lstStyle/>
+          <a:p>
+            <a:pPr indent="0" lvl="0" marL="0" marR="0" rtl="0" algn="l">
+              <a:lnSpc>
+                <a:spcPct val="100000"/>
+              </a:lnSpc>
+              <a:spcBef>
+                <a:spcPts val="0"/>
+              </a:spcBef>
+              <a:spcAft>
+                <a:spcPts val="0"/>
+              </a:spcAft>
+              <a:buClr>
+                <a:srgbClr val="000000"/>
+              </a:buClr>
+              <a:buSzPts val="2700"/>
+              <a:buFont typeface="Arial"/>
+              <a:buNone/>
+            </a:pPr>
+            <a:r>
+              <a:rPr b="1" lang="pt-BR" sz="2700">
+                <a:solidFill>
+                  <a:srgbClr val="FFFFFF"/>
+                </a:solidFill>
+              </a:rPr>
+              <a:t>Visualizações</a:t>
+            </a:r>
+            <a:endParaRPr b="1" i="0" sz="2700" u="none" cap="none" strike="noStrike">
+              <a:solidFill>
+                <a:srgbClr val="FFFFFF"/>
+              </a:solidFill>
+              <a:latin typeface="Arial"/>
+              <a:ea typeface="Arial"/>
+              <a:cs typeface="Arial"/>
+              <a:sym typeface="Arial"/>
+            </a:endParaRPr>
+          </a:p>
+        </p:txBody>
+      </p:sp>
+      <p:sp>
+        <p:nvSpPr>
+          <p:cNvPr id="541" name="Google Shape;541;g2ea6b6f92b1_0_75"/>
+          <p:cNvSpPr txBox="1"/>
+          <p:nvPr/>
+        </p:nvSpPr>
+        <p:spPr>
+          <a:xfrm>
+            <a:off x="360000" y="1485000"/>
+            <a:ext cx="9360000" cy="3780000"/>
+          </a:xfrm>
+          <a:prstGeom prst="rect">
+            <a:avLst/>
+          </a:prstGeom>
+          <a:noFill/>
+          <a:ln>
+            <a:noFill/>
+          </a:ln>
+        </p:spPr>
+        <p:txBody>
+          <a:bodyPr anchorCtr="0" anchor="t" bIns="0" lIns="0" spcFirstLastPara="1" rIns="0" wrap="square" tIns="0">
+            <a:normAutofit/>
+          </a:bodyPr>
+          <a:lstStyle/>
+          <a:p>
+            <a:pPr indent="0" lvl="0" marL="1371600" marR="0" rtl="0" algn="l">
+              <a:lnSpc>
+                <a:spcPct val="100000"/>
+              </a:lnSpc>
+              <a:spcBef>
+                <a:spcPts val="0"/>
+              </a:spcBef>
+              <a:spcAft>
+                <a:spcPts val="0"/>
+              </a:spcAft>
+              <a:buNone/>
+            </a:pPr>
+            <a:r>
+              <a:t/>
+            </a:r>
+            <a:endParaRPr sz="2400">
+              <a:solidFill>
+                <a:srgbClr val="2C3E50"/>
+              </a:solidFill>
+            </a:endParaRPr>
+          </a:p>
+        </p:txBody>
+      </p:sp>
+      <p:pic>
+        <p:nvPicPr>
+          <p:cNvPr id="542" name="Google Shape;542;g2ea6b6f92b1_0_75"/>
+          <p:cNvPicPr preferRelativeResize="0"/>
+          <p:nvPr/>
+        </p:nvPicPr>
+        <p:blipFill>
+          <a:blip r:embed="rId3">
+            <a:alphaModFix/>
+          </a:blip>
+          <a:stretch>
+            <a:fillRect/>
+          </a:stretch>
+        </p:blipFill>
+        <p:spPr>
+          <a:xfrm>
+            <a:off x="2730137" y="1213463"/>
+            <a:ext cx="4619725" cy="4170674"/>
+          </a:xfrm>
+          <a:prstGeom prst="rect">
+            <a:avLst/>
+          </a:prstGeom>
+          <a:noFill/>
+          <a:ln>
+            <a:noFill/>
+          </a:ln>
+        </p:spPr>
+      </p:pic>
+    </p:spTree>
+  </p:cSld>
+  <p:clrMapOvr>
+    <a:masterClrMapping/>
+  </p:clrMapOvr>
+</p:sld>
+</file>
+
+<file path=ppt/slides/slide68.xml><?xml version="1.0" encoding="utf-8"?>
+<p:sld xmlns:a="http://schemas.openxmlformats.org/drawingml/2006/main" xmlns:r="http://schemas.openxmlformats.org/officeDocument/2006/relationships" xmlns:mc="http://schemas.openxmlformats.org/markup-compatibility/2006" xmlns:mv="urn:schemas-microsoft-com:mac:vml" xmlns:p="http://schemas.openxmlformats.org/presentationml/2006/main" xmlns:c="http://schemas.openxmlformats.org/drawingml/2006/chart" xmlns:dgm="http://schemas.openxmlformats.org/drawingml/2006/diagram" xmlns:o="urn:schemas-microsoft-com:office:office" xmlns:v="urn:schemas-microsoft-com:vml" xmlns:pvml="urn:schemas-microsoft-com:office:powerpoint" xmlns:com="http://schemas.openxmlformats.org/drawingml/2006/compatibility" xmlns:p14="http://schemas.microsoft.com/office/powerpoint/2010/main" xmlns:p15="http://schemas.microsoft.com/office/powerpoint/2012/main" xmlns:ahyp="http://schemas.microsoft.com/office/drawing/2018/hyperlinkcolor">
+  <p:cSld>
+    <p:spTree>
+      <p:nvGrpSpPr>
+        <p:cNvPr id="546" name="Shape 546"/>
+        <p:cNvGrpSpPr/>
+        <p:nvPr/>
+      </p:nvGrpSpPr>
+      <p:grpSpPr>
+        <a:xfrm>
+          <a:off x="0" y="0"/>
+          <a:ext cx="0" cy="0"/>
+          <a:chOff x="0" y="0"/>
+          <a:chExt cx="0" cy="0"/>
+        </a:xfrm>
+      </p:grpSpPr>
+      <p:sp>
+        <p:nvSpPr>
+          <p:cNvPr id="547" name="Google Shape;547;p41"/>
+          <p:cNvSpPr txBox="1"/>
+          <p:nvPr/>
+        </p:nvSpPr>
+        <p:spPr>
+          <a:xfrm>
+            <a:off x="360000" y="225720"/>
+            <a:ext cx="9360000" cy="720000"/>
+          </a:xfrm>
+          <a:prstGeom prst="rect">
+            <a:avLst/>
+          </a:prstGeom>
+          <a:noFill/>
+          <a:ln>
+            <a:noFill/>
+          </a:ln>
+        </p:spPr>
+        <p:txBody>
+          <a:bodyPr anchorCtr="0" anchor="ctr" bIns="0" lIns="0" spcFirstLastPara="1" rIns="0" wrap="square" tIns="0">
+            <a:noAutofit/>
+          </a:bodyPr>
+          <a:lstStyle/>
+          <a:p>
+            <a:pPr indent="0" lvl="0" marL="0" marR="0" rtl="0" algn="l">
+              <a:lnSpc>
+                <a:spcPct val="100000"/>
+              </a:lnSpc>
+              <a:spcBef>
+                <a:spcPts val="0"/>
+              </a:spcBef>
+              <a:spcAft>
+                <a:spcPts val="0"/>
+              </a:spcAft>
+              <a:buClr>
+                <a:srgbClr val="000000"/>
+              </a:buClr>
+              <a:buSzPts val="2700"/>
+              <a:buFont typeface="Arial"/>
+              <a:buNone/>
+            </a:pPr>
+            <a:r>
+              <a:rPr b="1" i="0" lang="pt-BR" sz="2700" u="none" cap="none" strike="noStrike">
+                <a:solidFill>
+                  <a:srgbClr val="FFFFFF"/>
+                </a:solidFill>
+                <a:latin typeface="Arial"/>
+                <a:ea typeface="Arial"/>
+                <a:cs typeface="Arial"/>
+                <a:sym typeface="Arial"/>
+              </a:rPr>
+              <a:t>Conclusão</a:t>
+            </a:r>
+            <a:endParaRPr b="1" i="0" sz="2700" u="none" cap="none" strike="noStrike">
+              <a:solidFill>
+                <a:srgbClr val="FFFFFF"/>
+              </a:solidFill>
+              <a:latin typeface="Arial"/>
+              <a:ea typeface="Arial"/>
+              <a:cs typeface="Arial"/>
+              <a:sym typeface="Arial"/>
+            </a:endParaRPr>
+          </a:p>
+        </p:txBody>
+      </p:sp>
+      <p:sp>
+        <p:nvSpPr>
+          <p:cNvPr id="548" name="Google Shape;548;p41"/>
+          <p:cNvSpPr txBox="1"/>
+          <p:nvPr/>
+        </p:nvSpPr>
+        <p:spPr>
+          <a:xfrm>
+            <a:off x="360000" y="1485000"/>
+            <a:ext cx="9360000" cy="3780000"/>
+          </a:xfrm>
+          <a:prstGeom prst="rect">
+            <a:avLst/>
+          </a:prstGeom>
+          <a:noFill/>
+          <a:ln>
+            <a:noFill/>
+          </a:ln>
+        </p:spPr>
+        <p:txBody>
+          <a:bodyPr anchorCtr="0" anchor="t" bIns="0" lIns="0" spcFirstLastPara="1" rIns="0" wrap="square" tIns="0">
+            <a:normAutofit/>
+          </a:bodyPr>
+          <a:lstStyle/>
+          <a:p>
+            <a:pPr indent="-323999" lvl="0" marL="431999" marR="0" rtl="0" algn="l">
+              <a:lnSpc>
+                <a:spcPct val="100000"/>
+              </a:lnSpc>
+              <a:spcBef>
+                <a:spcPts val="0"/>
+              </a:spcBef>
+              <a:spcAft>
+                <a:spcPts val="0"/>
+              </a:spcAft>
+              <a:buClr>
+                <a:srgbClr val="2C3E50"/>
+              </a:buClr>
+              <a:buSzPts val="1080"/>
+              <a:buFont typeface="Noto Sans Symbols"/>
+              <a:buChar char="●"/>
+            </a:pPr>
+            <a:r>
+              <a:rPr b="1" i="0" lang="pt-BR" sz="2400" u="none" cap="none" strike="noStrike">
+                <a:solidFill>
+                  <a:srgbClr val="2C3E50"/>
+                </a:solidFill>
+                <a:latin typeface="Arial"/>
+                <a:ea typeface="Arial"/>
+                <a:cs typeface="Arial"/>
+                <a:sym typeface="Arial"/>
+              </a:rPr>
+              <a:t>Lucas Natan: </a:t>
+            </a:r>
+            <a:r>
+              <a:rPr b="1" i="0" lang="pt-BR" sz="2400" u="sng" cap="none" strike="noStrike">
+                <a:solidFill>
+                  <a:schemeClr val="hlink"/>
+                </a:solidFill>
+                <a:latin typeface="Arial"/>
+                <a:ea typeface="Arial"/>
+                <a:cs typeface="Arial"/>
+                <a:sym typeface="Arial"/>
+                <a:hlinkClick r:id="rId3"/>
+              </a:rPr>
+              <a:t>lucasnatan@id.uff.br</a:t>
+            </a:r>
+            <a:endParaRPr b="1" i="0" sz="2400" u="none" cap="none" strike="noStrike">
+              <a:solidFill>
+                <a:srgbClr val="2C3E50"/>
+              </a:solidFill>
+              <a:latin typeface="Arial"/>
+              <a:ea typeface="Arial"/>
+              <a:cs typeface="Arial"/>
+              <a:sym typeface="Arial"/>
+            </a:endParaRPr>
+          </a:p>
+          <a:p>
+            <a:pPr indent="-323999" lvl="0" marL="431999" marR="0" rtl="0" algn="l">
+              <a:lnSpc>
+                <a:spcPct val="100000"/>
+              </a:lnSpc>
+              <a:spcBef>
+                <a:spcPts val="0"/>
+              </a:spcBef>
+              <a:spcAft>
+                <a:spcPts val="0"/>
+              </a:spcAft>
+              <a:buClr>
+                <a:srgbClr val="2C3E50"/>
+              </a:buClr>
+              <a:buSzPts val="1080"/>
+              <a:buFont typeface="Noto Sans Symbols"/>
+              <a:buChar char="●"/>
+            </a:pPr>
+            <a:r>
+              <a:rPr b="1" i="0" lang="pt-BR" sz="2400" u="none" cap="none" strike="noStrike">
+                <a:solidFill>
+                  <a:srgbClr val="2C3E50"/>
+                </a:solidFill>
+                <a:latin typeface="Arial"/>
+                <a:ea typeface="Arial"/>
+                <a:cs typeface="Arial"/>
+                <a:sym typeface="Arial"/>
+              </a:rPr>
+              <a:t>Ruan Pablo: </a:t>
+            </a:r>
+            <a:r>
+              <a:rPr b="1" i="0" lang="pt-BR" sz="2400" u="sng" cap="none" strike="noStrike">
+                <a:solidFill>
+                  <a:schemeClr val="hlink"/>
+                </a:solidFill>
+                <a:latin typeface="Arial"/>
+                <a:ea typeface="Arial"/>
+                <a:cs typeface="Arial"/>
+                <a:sym typeface="Arial"/>
+                <a:hlinkClick r:id="rId4"/>
+              </a:rPr>
+              <a:t>ruanpablo@id.uff.br</a:t>
+            </a:r>
+            <a:endParaRPr b="1" i="0" sz="2400" u="none" cap="none" strike="noStrike">
+              <a:solidFill>
+                <a:srgbClr val="2C3E50"/>
+              </a:solidFill>
+              <a:latin typeface="Arial"/>
+              <a:ea typeface="Arial"/>
+              <a:cs typeface="Arial"/>
+              <a:sym typeface="Arial"/>
+            </a:endParaRPr>
+          </a:p>
+          <a:p>
+            <a:pPr indent="-324000" lvl="0" marL="432000" marR="0" rtl="0" algn="l">
+              <a:lnSpc>
+                <a:spcPct val="100000"/>
+              </a:lnSpc>
+              <a:spcBef>
+                <a:spcPts val="0"/>
+              </a:spcBef>
+              <a:spcAft>
+                <a:spcPts val="0"/>
+              </a:spcAft>
+              <a:buClr>
+                <a:srgbClr val="2C3E50"/>
+              </a:buClr>
+              <a:buSzPts val="1080"/>
+              <a:buFont typeface="Noto Sans Symbols"/>
+              <a:buChar char="●"/>
+            </a:pPr>
+            <a:r>
+              <a:rPr b="1" i="0" lang="pt-BR" sz="2400" u="none" cap="none" strike="noStrike">
+                <a:solidFill>
+                  <a:srgbClr val="2C3E50"/>
+                </a:solidFill>
+                <a:latin typeface="Arial"/>
+                <a:ea typeface="Arial"/>
+                <a:cs typeface="Arial"/>
+                <a:sym typeface="Arial"/>
+              </a:rPr>
+              <a:t>Italo Portinho: </a:t>
+            </a:r>
+            <a:r>
+              <a:rPr b="1" i="0" lang="pt-BR" sz="2400" u="sng" cap="none" strike="noStrike">
+                <a:solidFill>
+                  <a:schemeClr val="hlink"/>
+                </a:solidFill>
+                <a:latin typeface="Arial"/>
+                <a:ea typeface="Arial"/>
+                <a:cs typeface="Arial"/>
+                <a:sym typeface="Arial"/>
+                <a:hlinkClick r:id="rId5"/>
+              </a:rPr>
+              <a:t>italons@gmail.com</a:t>
+            </a:r>
+            <a:r>
+              <a:rPr b="1" i="0" lang="pt-BR" sz="2400" u="none" cap="none" strike="noStrike">
+                <a:solidFill>
+                  <a:srgbClr val="2C3E50"/>
+                </a:solidFill>
+                <a:latin typeface="Arial"/>
+                <a:ea typeface="Arial"/>
+                <a:cs typeface="Arial"/>
+                <a:sym typeface="Arial"/>
+              </a:rPr>
+              <a:t>, </a:t>
+            </a:r>
+            <a:r>
+              <a:rPr b="1" i="0" lang="pt-BR" sz="2400" u="sng" cap="none" strike="noStrike">
+                <a:solidFill>
+                  <a:schemeClr val="hlink"/>
+                </a:solidFill>
+                <a:latin typeface="Arial"/>
+                <a:ea typeface="Arial"/>
+                <a:cs typeface="Arial"/>
+                <a:sym typeface="Arial"/>
+                <a:hlinkClick r:id="rId6"/>
+              </a:rPr>
+              <a:t>italoleite@id.uff.br</a:t>
+            </a:r>
+            <a:endParaRPr b="1" i="0" sz="2400" u="none" cap="none" strike="noStrike">
+              <a:solidFill>
+                <a:srgbClr val="2C3E50"/>
+              </a:solidFill>
+              <a:latin typeface="Arial"/>
+              <a:ea typeface="Arial"/>
+              <a:cs typeface="Arial"/>
+              <a:sym typeface="Arial"/>
+            </a:endParaRPr>
+          </a:p>
+        </p:txBody>
+      </p:sp>
+    </p:spTree>
+  </p:cSld>
+  <p:clrMapOvr>
+    <a:masterClrMapping/>
+  </p:clrMapOvr>
+</p:sld>
+</file>
+
+<file path=ppt/slides/slide69.xml><?xml version="1.0" encoding="utf-8"?>
+<p:sld xmlns:a="http://schemas.openxmlformats.org/drawingml/2006/main" xmlns:r="http://schemas.openxmlformats.org/officeDocument/2006/relationships" xmlns:mc="http://schemas.openxmlformats.org/markup-compatibility/2006" xmlns:mv="urn:schemas-microsoft-com:mac:vml" xmlns:p="http://schemas.openxmlformats.org/presentationml/2006/main" xmlns:c="http://schemas.openxmlformats.org/drawingml/2006/chart" xmlns:dgm="http://schemas.openxmlformats.org/drawingml/2006/diagram" xmlns:o="urn:schemas-microsoft-com:office:office" xmlns:v="urn:schemas-microsoft-com:vml" xmlns:pvml="urn:schemas-microsoft-com:office:powerpoint" xmlns:com="http://schemas.openxmlformats.org/drawingml/2006/compatibility" xmlns:p14="http://schemas.microsoft.com/office/powerpoint/2010/main" xmlns:p15="http://schemas.microsoft.com/office/powerpoint/2012/main" xmlns:ahyp="http://schemas.microsoft.com/office/drawing/2018/hyperlinkcolor">
+  <p:cSld>
+    <p:spTree>
+      <p:nvGrpSpPr>
+        <p:cNvPr id="552" name="Shape 552"/>
+        <p:cNvGrpSpPr/>
+        <p:nvPr/>
+      </p:nvGrpSpPr>
+      <p:grpSpPr>
+        <a:xfrm>
+          <a:off x="0" y="0"/>
+          <a:ext cx="0" cy="0"/>
+          <a:chOff x="0" y="0"/>
+          <a:chExt cx="0" cy="0"/>
+        </a:xfrm>
+      </p:grpSpPr>
+      <p:sp>
+        <p:nvSpPr>
+          <p:cNvPr id="553" name="Google Shape;553;p42"/>
+          <p:cNvSpPr txBox="1"/>
+          <p:nvPr/>
+        </p:nvSpPr>
+        <p:spPr>
+          <a:xfrm>
+            <a:off x="360000" y="225720"/>
+            <a:ext cx="9360000" cy="720000"/>
+          </a:xfrm>
+          <a:prstGeom prst="rect">
+            <a:avLst/>
+          </a:prstGeom>
+          <a:noFill/>
+          <a:ln>
+            <a:noFill/>
+          </a:ln>
+        </p:spPr>
+        <p:txBody>
+          <a:bodyPr anchorCtr="0" anchor="ctr" bIns="0" lIns="0" spcFirstLastPara="1" rIns="0" wrap="square" tIns="0">
+            <a:noAutofit/>
+          </a:bodyPr>
+          <a:lstStyle/>
+          <a:p>
+            <a:pPr indent="0" lvl="0" marL="0" marR="0" rtl="0" algn="l">
+              <a:lnSpc>
+                <a:spcPct val="100000"/>
+              </a:lnSpc>
+              <a:spcBef>
+                <a:spcPts val="0"/>
+              </a:spcBef>
+              <a:spcAft>
+                <a:spcPts val="0"/>
+              </a:spcAft>
+              <a:buClr>
+                <a:srgbClr val="000000"/>
+              </a:buClr>
+              <a:buSzPts val="2700"/>
+              <a:buFont typeface="Arial"/>
+              <a:buNone/>
+            </a:pPr>
+            <a:r>
+              <a:rPr b="1" i="0" lang="pt-BR" sz="2700" u="none" cap="none" strike="noStrike">
+                <a:solidFill>
+                  <a:srgbClr val="FFFFFF"/>
+                </a:solidFill>
+                <a:latin typeface="Arial"/>
+                <a:ea typeface="Arial"/>
+                <a:cs typeface="Arial"/>
+                <a:sym typeface="Arial"/>
+              </a:rPr>
+              <a:t>FIM</a:t>
+            </a:r>
+            <a:endParaRPr b="1" i="0" sz="2700" u="none" cap="none" strike="noStrike">
+              <a:solidFill>
+                <a:srgbClr val="FFFFFF"/>
+              </a:solidFill>
+              <a:latin typeface="Arial"/>
+              <a:ea typeface="Arial"/>
+              <a:cs typeface="Arial"/>
+              <a:sym typeface="Arial"/>
+            </a:endParaRPr>
+          </a:p>
+        </p:txBody>
+      </p:sp>
+      <p:sp>
+        <p:nvSpPr>
+          <p:cNvPr id="554" name="Google Shape;554;p42"/>
+          <p:cNvSpPr txBox="1"/>
+          <p:nvPr/>
+        </p:nvSpPr>
+        <p:spPr>
+          <a:xfrm>
+            <a:off x="360000" y="1485000"/>
+            <a:ext cx="9360000" cy="3780000"/>
+          </a:xfrm>
+          <a:prstGeom prst="rect">
+            <a:avLst/>
+          </a:prstGeom>
+          <a:noFill/>
+          <a:ln>
+            <a:noFill/>
+          </a:ln>
+        </p:spPr>
+        <p:txBody>
+          <a:bodyPr anchorCtr="0" anchor="t" bIns="0" lIns="0" spcFirstLastPara="1" rIns="0" wrap="square" tIns="0">
+            <a:normAutofit/>
+          </a:bodyPr>
+          <a:lstStyle/>
+          <a:p>
+            <a:pPr indent="-255419" lvl="0" marL="432000" marR="0" rtl="0" algn="ctr">
+              <a:lnSpc>
+                <a:spcPct val="100000"/>
+              </a:lnSpc>
+              <a:spcBef>
+                <a:spcPts val="0"/>
+              </a:spcBef>
+              <a:spcAft>
+                <a:spcPts val="0"/>
+              </a:spcAft>
+              <a:buClr>
+                <a:srgbClr val="2C3E50"/>
+              </a:buClr>
+              <a:buSzPts val="1080"/>
+              <a:buFont typeface="Noto Sans Symbols"/>
+              <a:buNone/>
+            </a:pPr>
+            <a:r>
+              <a:t/>
+            </a:r>
+            <a:endParaRPr b="1" i="0" sz="2400" u="none" cap="none" strike="noStrike">
+              <a:solidFill>
+                <a:srgbClr val="2C3E50"/>
+              </a:solidFill>
+              <a:latin typeface="Arial"/>
+              <a:ea typeface="Arial"/>
+              <a:cs typeface="Arial"/>
+              <a:sym typeface="Arial"/>
+            </a:endParaRPr>
+          </a:p>
+          <a:p>
+            <a:pPr indent="-255419" lvl="0" marL="432000" marR="0" rtl="0" algn="ctr">
+              <a:lnSpc>
+                <a:spcPct val="100000"/>
+              </a:lnSpc>
+              <a:spcBef>
+                <a:spcPts val="1057"/>
+              </a:spcBef>
+              <a:spcAft>
+                <a:spcPts val="0"/>
+              </a:spcAft>
+              <a:buClr>
+                <a:srgbClr val="2C3E50"/>
+              </a:buClr>
+              <a:buSzPts val="1080"/>
+              <a:buFont typeface="Noto Sans Symbols"/>
+              <a:buNone/>
+            </a:pPr>
+            <a:r>
+              <a:t/>
+            </a:r>
+            <a:endParaRPr b="1" i="0" sz="2400" u="none" cap="none" strike="noStrike">
+              <a:solidFill>
+                <a:srgbClr val="2C3E50"/>
+              </a:solidFill>
+              <a:latin typeface="Arial"/>
+              <a:ea typeface="Arial"/>
+              <a:cs typeface="Arial"/>
+              <a:sym typeface="Arial"/>
+            </a:endParaRPr>
+          </a:p>
+          <a:p>
+            <a:pPr indent="-255419" lvl="0" marL="432000" marR="0" rtl="0" algn="ctr">
+              <a:lnSpc>
+                <a:spcPct val="100000"/>
+              </a:lnSpc>
+              <a:spcBef>
+                <a:spcPts val="1057"/>
+              </a:spcBef>
+              <a:spcAft>
+                <a:spcPts val="0"/>
+              </a:spcAft>
+              <a:buClr>
+                <a:srgbClr val="2C3E50"/>
+              </a:buClr>
+              <a:buSzPts val="1080"/>
+              <a:buFont typeface="Noto Sans Symbols"/>
+              <a:buNone/>
+            </a:pPr>
+            <a:r>
+              <a:t/>
+            </a:r>
+            <a:endParaRPr b="1" i="0" sz="2400" u="none" cap="none" strike="noStrike">
+              <a:solidFill>
+                <a:srgbClr val="2C3E50"/>
+              </a:solidFill>
+              <a:latin typeface="Arial"/>
+              <a:ea typeface="Arial"/>
+              <a:cs typeface="Arial"/>
+              <a:sym typeface="Arial"/>
+            </a:endParaRPr>
+          </a:p>
+          <a:p>
+            <a:pPr indent="-324000" lvl="0" marL="432000" marR="0" rtl="0" algn="ctr">
+              <a:lnSpc>
+                <a:spcPct val="100000"/>
+              </a:lnSpc>
+              <a:spcBef>
+                <a:spcPts val="1057"/>
+              </a:spcBef>
+              <a:spcAft>
+                <a:spcPts val="0"/>
+              </a:spcAft>
+              <a:buClr>
+                <a:srgbClr val="2C3E50"/>
+              </a:buClr>
+              <a:buSzPts val="1080"/>
+              <a:buFont typeface="Noto Sans Symbols"/>
+              <a:buChar char="●"/>
+            </a:pPr>
+            <a:r>
+              <a:rPr b="1" i="0" lang="pt-BR" sz="2400" u="none" cap="none" strike="noStrike">
+                <a:solidFill>
+                  <a:srgbClr val="2C3E50"/>
+                </a:solidFill>
+                <a:latin typeface="Arial"/>
+                <a:ea typeface="Arial"/>
+                <a:cs typeface="Arial"/>
+                <a:sym typeface="Arial"/>
+              </a:rPr>
+              <a:t>Muito Obrigado!!!</a:t>
             </a:r>
             <a:endParaRPr b="1" i="0" sz="2400" u="none" cap="none" strike="noStrike">
               <a:solidFill>
